--- a/progress_report/presentation.pptx
+++ b/progress_report/presentation.pptx
@@ -7,8 +7,8 @@
   <p:sldIdLst>
     <p:sldId id="256" r:id="rId2"/>
     <p:sldId id="257" r:id="rId3"/>
-    <p:sldId id="258" r:id="rId4"/>
-    <p:sldId id="259" r:id="rId5"/>
+    <p:sldId id="259" r:id="rId4"/>
+    <p:sldId id="258" r:id="rId5"/>
   </p:sldIdLst>
   <p:sldSz cx="12192000" cy="6858000"/>
   <p:notesSz cx="6858000" cy="9144000"/>
@@ -107,6 +107,11 @@
       </a:defRPr>
     </a:lvl9pPr>
   </p:defaultTextStyle>
+  <p:extLst>
+    <p:ext uri="{EFAFB233-063F-42B5-8137-9DF3F51BA10A}">
+      <p15:sldGuideLst xmlns:p15="http://schemas.microsoft.com/office/powerpoint/2012/main"/>
+    </p:ext>
+  </p:extLst>
 </p:presentation>
 </file>
 
@@ -843,6 +848,753 @@
   <dgm:styleLbl name="revTx">
     <dgm:fillClrLst meth="repeat">
       <a:schemeClr val="lt2">
+        <a:alpha val="0"/>
+      </a:schemeClr>
+    </dgm:fillClrLst>
+    <dgm:linClrLst meth="repeat">
+      <a:schemeClr val="dk1">
+        <a:alpha val="0"/>
+      </a:schemeClr>
+    </dgm:linClrLst>
+    <dgm:effectClrLst/>
+    <dgm:txLinClrLst/>
+    <dgm:txFillClrLst meth="repeat">
+      <a:schemeClr val="tx1"/>
+    </dgm:txFillClrLst>
+    <dgm:txEffectClrLst/>
+  </dgm:styleLbl>
+</dgm:colorsDef>
+</file>
+
+<file path=ppt/diagrams/colors2.xml><?xml version="1.0" encoding="utf-8"?>
+<dgm:colorsDef xmlns:dgm="http://schemas.openxmlformats.org/drawingml/2006/diagram" xmlns:a="http://schemas.openxmlformats.org/drawingml/2006/main" uniqueId="urn:microsoft.com/office/officeart/2005/8/colors/accent1_2">
+  <dgm:title val=""/>
+  <dgm:desc val=""/>
+  <dgm:catLst>
+    <dgm:cat type="accent1" pri="11200"/>
+  </dgm:catLst>
+  <dgm:styleLbl name="node0">
+    <dgm:fillClrLst meth="repeat">
+      <a:schemeClr val="accent1"/>
+    </dgm:fillClrLst>
+    <dgm:linClrLst meth="repeat">
+      <a:schemeClr val="lt1"/>
+    </dgm:linClrLst>
+    <dgm:effectClrLst/>
+    <dgm:txLinClrLst/>
+    <dgm:txFillClrLst/>
+    <dgm:txEffectClrLst/>
+  </dgm:styleLbl>
+  <dgm:styleLbl name="alignNode1">
+    <dgm:fillClrLst meth="repeat">
+      <a:schemeClr val="accent1"/>
+    </dgm:fillClrLst>
+    <dgm:linClrLst meth="repeat">
+      <a:schemeClr val="accent1"/>
+    </dgm:linClrLst>
+    <dgm:effectClrLst/>
+    <dgm:txLinClrLst/>
+    <dgm:txFillClrLst/>
+    <dgm:txEffectClrLst/>
+  </dgm:styleLbl>
+  <dgm:styleLbl name="node1">
+    <dgm:fillClrLst meth="repeat">
+      <a:schemeClr val="accent1"/>
+    </dgm:fillClrLst>
+    <dgm:linClrLst meth="repeat">
+      <a:schemeClr val="lt1"/>
+    </dgm:linClrLst>
+    <dgm:effectClrLst/>
+    <dgm:txLinClrLst/>
+    <dgm:txFillClrLst/>
+    <dgm:txEffectClrLst/>
+  </dgm:styleLbl>
+  <dgm:styleLbl name="lnNode1">
+    <dgm:fillClrLst meth="repeat">
+      <a:schemeClr val="accent1"/>
+    </dgm:fillClrLst>
+    <dgm:linClrLst meth="repeat">
+      <a:schemeClr val="lt1"/>
+    </dgm:linClrLst>
+    <dgm:effectClrLst/>
+    <dgm:txLinClrLst/>
+    <dgm:txFillClrLst/>
+    <dgm:txEffectClrLst/>
+  </dgm:styleLbl>
+  <dgm:styleLbl name="vennNode1">
+    <dgm:fillClrLst meth="repeat">
+      <a:schemeClr val="accent1">
+        <a:alpha val="50000"/>
+      </a:schemeClr>
+    </dgm:fillClrLst>
+    <dgm:linClrLst meth="repeat">
+      <a:schemeClr val="lt1"/>
+    </dgm:linClrLst>
+    <dgm:effectClrLst/>
+    <dgm:txLinClrLst/>
+    <dgm:txFillClrLst/>
+    <dgm:txEffectClrLst/>
+  </dgm:styleLbl>
+  <dgm:styleLbl name="node2">
+    <dgm:fillClrLst meth="repeat">
+      <a:schemeClr val="accent1"/>
+    </dgm:fillClrLst>
+    <dgm:linClrLst meth="repeat">
+      <a:schemeClr val="lt1"/>
+    </dgm:linClrLst>
+    <dgm:effectClrLst/>
+    <dgm:txLinClrLst/>
+    <dgm:txFillClrLst/>
+    <dgm:txEffectClrLst/>
+  </dgm:styleLbl>
+  <dgm:styleLbl name="node3">
+    <dgm:fillClrLst meth="repeat">
+      <a:schemeClr val="accent1"/>
+    </dgm:fillClrLst>
+    <dgm:linClrLst meth="repeat">
+      <a:schemeClr val="lt1"/>
+    </dgm:linClrLst>
+    <dgm:effectClrLst/>
+    <dgm:txLinClrLst/>
+    <dgm:txFillClrLst/>
+    <dgm:txEffectClrLst/>
+  </dgm:styleLbl>
+  <dgm:styleLbl name="node4">
+    <dgm:fillClrLst meth="repeat">
+      <a:schemeClr val="accent1"/>
+    </dgm:fillClrLst>
+    <dgm:linClrLst meth="repeat">
+      <a:schemeClr val="lt1"/>
+    </dgm:linClrLst>
+    <dgm:effectClrLst/>
+    <dgm:txLinClrLst/>
+    <dgm:txFillClrLst/>
+    <dgm:txEffectClrLst/>
+  </dgm:styleLbl>
+  <dgm:styleLbl name="fgImgPlace1">
+    <dgm:fillClrLst meth="repeat">
+      <a:schemeClr val="accent1">
+        <a:tint val="50000"/>
+      </a:schemeClr>
+    </dgm:fillClrLst>
+    <dgm:linClrLst meth="repeat">
+      <a:schemeClr val="lt1"/>
+    </dgm:linClrLst>
+    <dgm:effectClrLst/>
+    <dgm:txLinClrLst/>
+    <dgm:txFillClrLst meth="repeat">
+      <a:schemeClr val="lt1"/>
+    </dgm:txFillClrLst>
+    <dgm:txEffectClrLst/>
+  </dgm:styleLbl>
+  <dgm:styleLbl name="alignImgPlace1">
+    <dgm:fillClrLst meth="repeat">
+      <a:schemeClr val="accent1">
+        <a:tint val="50000"/>
+      </a:schemeClr>
+    </dgm:fillClrLst>
+    <dgm:linClrLst meth="repeat">
+      <a:schemeClr val="lt1"/>
+    </dgm:linClrLst>
+    <dgm:effectClrLst/>
+    <dgm:txLinClrLst/>
+    <dgm:txFillClrLst meth="repeat">
+      <a:schemeClr val="lt1"/>
+    </dgm:txFillClrLst>
+    <dgm:txEffectClrLst/>
+  </dgm:styleLbl>
+  <dgm:styleLbl name="bgImgPlace1">
+    <dgm:fillClrLst meth="repeat">
+      <a:schemeClr val="accent1">
+        <a:tint val="50000"/>
+      </a:schemeClr>
+    </dgm:fillClrLst>
+    <dgm:linClrLst meth="repeat">
+      <a:schemeClr val="lt1"/>
+    </dgm:linClrLst>
+    <dgm:effectClrLst/>
+    <dgm:txLinClrLst/>
+    <dgm:txFillClrLst meth="repeat">
+      <a:schemeClr val="lt1"/>
+    </dgm:txFillClrLst>
+    <dgm:txEffectClrLst/>
+  </dgm:styleLbl>
+  <dgm:styleLbl name="sibTrans2D1">
+    <dgm:fillClrLst meth="repeat">
+      <a:schemeClr val="accent1">
+        <a:tint val="60000"/>
+      </a:schemeClr>
+    </dgm:fillClrLst>
+    <dgm:linClrLst meth="repeat">
+      <a:schemeClr val="accent1">
+        <a:tint val="60000"/>
+      </a:schemeClr>
+    </dgm:linClrLst>
+    <dgm:effectClrLst/>
+    <dgm:txLinClrLst/>
+    <dgm:txFillClrLst/>
+    <dgm:txEffectClrLst/>
+  </dgm:styleLbl>
+  <dgm:styleLbl name="fgSibTrans2D1">
+    <dgm:fillClrLst meth="repeat">
+      <a:schemeClr val="accent1">
+        <a:tint val="60000"/>
+      </a:schemeClr>
+    </dgm:fillClrLst>
+    <dgm:linClrLst meth="repeat">
+      <a:schemeClr val="accent1">
+        <a:tint val="60000"/>
+      </a:schemeClr>
+    </dgm:linClrLst>
+    <dgm:effectClrLst/>
+    <dgm:txLinClrLst/>
+    <dgm:txFillClrLst/>
+    <dgm:txEffectClrLst/>
+  </dgm:styleLbl>
+  <dgm:styleLbl name="bgSibTrans2D1">
+    <dgm:fillClrLst meth="repeat">
+      <a:schemeClr val="accent1">
+        <a:tint val="60000"/>
+      </a:schemeClr>
+    </dgm:fillClrLst>
+    <dgm:linClrLst meth="repeat">
+      <a:schemeClr val="accent1">
+        <a:tint val="60000"/>
+      </a:schemeClr>
+    </dgm:linClrLst>
+    <dgm:effectClrLst/>
+    <dgm:txLinClrLst/>
+    <dgm:txFillClrLst/>
+    <dgm:txEffectClrLst/>
+  </dgm:styleLbl>
+  <dgm:styleLbl name="sibTrans1D1">
+    <dgm:fillClrLst meth="repeat">
+      <a:schemeClr val="accent1"/>
+    </dgm:fillClrLst>
+    <dgm:linClrLst meth="repeat">
+      <a:schemeClr val="accent1"/>
+    </dgm:linClrLst>
+    <dgm:effectClrLst/>
+    <dgm:txLinClrLst/>
+    <dgm:txFillClrLst meth="repeat">
+      <a:schemeClr val="tx1"/>
+    </dgm:txFillClrLst>
+    <dgm:txEffectClrLst/>
+  </dgm:styleLbl>
+  <dgm:styleLbl name="callout">
+    <dgm:fillClrLst meth="repeat">
+      <a:schemeClr val="accent1"/>
+    </dgm:fillClrLst>
+    <dgm:linClrLst meth="repeat">
+      <a:schemeClr val="accent1">
+        <a:tint val="50000"/>
+      </a:schemeClr>
+    </dgm:linClrLst>
+    <dgm:effectClrLst/>
+    <dgm:txLinClrLst/>
+    <dgm:txFillClrLst meth="repeat">
+      <a:schemeClr val="tx1"/>
+    </dgm:txFillClrLst>
+    <dgm:txEffectClrLst/>
+  </dgm:styleLbl>
+  <dgm:styleLbl name="asst0">
+    <dgm:fillClrLst meth="repeat">
+      <a:schemeClr val="accent1"/>
+    </dgm:fillClrLst>
+    <dgm:linClrLst meth="repeat">
+      <a:schemeClr val="lt1"/>
+    </dgm:linClrLst>
+    <dgm:effectClrLst/>
+    <dgm:txLinClrLst/>
+    <dgm:txFillClrLst/>
+    <dgm:txEffectClrLst/>
+  </dgm:styleLbl>
+  <dgm:styleLbl name="asst1">
+    <dgm:fillClrLst meth="repeat">
+      <a:schemeClr val="accent1"/>
+    </dgm:fillClrLst>
+    <dgm:linClrLst meth="repeat">
+      <a:schemeClr val="lt1"/>
+    </dgm:linClrLst>
+    <dgm:effectClrLst/>
+    <dgm:txLinClrLst/>
+    <dgm:txFillClrLst/>
+    <dgm:txEffectClrLst/>
+  </dgm:styleLbl>
+  <dgm:styleLbl name="asst2">
+    <dgm:fillClrLst meth="repeat">
+      <a:schemeClr val="accent1"/>
+    </dgm:fillClrLst>
+    <dgm:linClrLst meth="repeat">
+      <a:schemeClr val="lt1"/>
+    </dgm:linClrLst>
+    <dgm:effectClrLst/>
+    <dgm:txLinClrLst/>
+    <dgm:txFillClrLst/>
+    <dgm:txEffectClrLst/>
+  </dgm:styleLbl>
+  <dgm:styleLbl name="asst3">
+    <dgm:fillClrLst meth="repeat">
+      <a:schemeClr val="accent1"/>
+    </dgm:fillClrLst>
+    <dgm:linClrLst meth="repeat">
+      <a:schemeClr val="lt1"/>
+    </dgm:linClrLst>
+    <dgm:effectClrLst/>
+    <dgm:txLinClrLst/>
+    <dgm:txFillClrLst/>
+    <dgm:txEffectClrLst/>
+  </dgm:styleLbl>
+  <dgm:styleLbl name="asst4">
+    <dgm:fillClrLst meth="repeat">
+      <a:schemeClr val="accent1"/>
+    </dgm:fillClrLst>
+    <dgm:linClrLst meth="repeat">
+      <a:schemeClr val="lt1"/>
+    </dgm:linClrLst>
+    <dgm:effectClrLst/>
+    <dgm:txLinClrLst/>
+    <dgm:txFillClrLst/>
+    <dgm:txEffectClrLst/>
+  </dgm:styleLbl>
+  <dgm:styleLbl name="parChTrans2D1">
+    <dgm:fillClrLst meth="repeat">
+      <a:schemeClr val="accent1">
+        <a:tint val="60000"/>
+      </a:schemeClr>
+    </dgm:fillClrLst>
+    <dgm:linClrLst meth="repeat">
+      <a:schemeClr val="accent1">
+        <a:tint val="60000"/>
+      </a:schemeClr>
+    </dgm:linClrLst>
+    <dgm:effectClrLst/>
+    <dgm:txLinClrLst/>
+    <dgm:txFillClrLst meth="repeat">
+      <a:schemeClr val="lt1"/>
+    </dgm:txFillClrLst>
+    <dgm:txEffectClrLst/>
+  </dgm:styleLbl>
+  <dgm:styleLbl name="parChTrans2D2">
+    <dgm:fillClrLst meth="repeat">
+      <a:schemeClr val="accent1"/>
+    </dgm:fillClrLst>
+    <dgm:linClrLst meth="repeat">
+      <a:schemeClr val="accent1"/>
+    </dgm:linClrLst>
+    <dgm:effectClrLst/>
+    <dgm:txLinClrLst/>
+    <dgm:txFillClrLst meth="repeat">
+      <a:schemeClr val="lt1"/>
+    </dgm:txFillClrLst>
+    <dgm:txEffectClrLst/>
+  </dgm:styleLbl>
+  <dgm:styleLbl name="parChTrans2D3">
+    <dgm:fillClrLst meth="repeat">
+      <a:schemeClr val="accent1"/>
+    </dgm:fillClrLst>
+    <dgm:linClrLst meth="repeat">
+      <a:schemeClr val="accent1"/>
+    </dgm:linClrLst>
+    <dgm:effectClrLst/>
+    <dgm:txLinClrLst/>
+    <dgm:txFillClrLst meth="repeat">
+      <a:schemeClr val="lt1"/>
+    </dgm:txFillClrLst>
+    <dgm:txEffectClrLst/>
+  </dgm:styleLbl>
+  <dgm:styleLbl name="parChTrans2D4">
+    <dgm:fillClrLst meth="repeat">
+      <a:schemeClr val="accent1"/>
+    </dgm:fillClrLst>
+    <dgm:linClrLst meth="repeat">
+      <a:schemeClr val="accent1"/>
+    </dgm:linClrLst>
+    <dgm:effectClrLst/>
+    <dgm:txLinClrLst/>
+    <dgm:txFillClrLst meth="repeat">
+      <a:schemeClr val="lt1"/>
+    </dgm:txFillClrLst>
+    <dgm:txEffectClrLst/>
+  </dgm:styleLbl>
+  <dgm:styleLbl name="parChTrans1D1">
+    <dgm:fillClrLst meth="repeat">
+      <a:schemeClr val="accent1"/>
+    </dgm:fillClrLst>
+    <dgm:linClrLst meth="repeat">
+      <a:schemeClr val="accent1">
+        <a:shade val="60000"/>
+      </a:schemeClr>
+    </dgm:linClrLst>
+    <dgm:effectClrLst/>
+    <dgm:txLinClrLst/>
+    <dgm:txFillClrLst meth="repeat">
+      <a:schemeClr val="tx1"/>
+    </dgm:txFillClrLst>
+    <dgm:txEffectClrLst/>
+  </dgm:styleLbl>
+  <dgm:styleLbl name="parChTrans1D2">
+    <dgm:fillClrLst meth="repeat">
+      <a:schemeClr val="accent1"/>
+    </dgm:fillClrLst>
+    <dgm:linClrLst meth="repeat">
+      <a:schemeClr val="accent1">
+        <a:shade val="60000"/>
+      </a:schemeClr>
+    </dgm:linClrLst>
+    <dgm:effectClrLst/>
+    <dgm:txLinClrLst/>
+    <dgm:txFillClrLst meth="repeat">
+      <a:schemeClr val="tx1"/>
+    </dgm:txFillClrLst>
+    <dgm:txEffectClrLst/>
+  </dgm:styleLbl>
+  <dgm:styleLbl name="parChTrans1D3">
+    <dgm:fillClrLst meth="repeat">
+      <a:schemeClr val="accent1"/>
+    </dgm:fillClrLst>
+    <dgm:linClrLst meth="repeat">
+      <a:schemeClr val="accent1">
+        <a:shade val="80000"/>
+      </a:schemeClr>
+    </dgm:linClrLst>
+    <dgm:effectClrLst/>
+    <dgm:txLinClrLst/>
+    <dgm:txFillClrLst meth="repeat">
+      <a:schemeClr val="tx1"/>
+    </dgm:txFillClrLst>
+    <dgm:txEffectClrLst/>
+  </dgm:styleLbl>
+  <dgm:styleLbl name="parChTrans1D4">
+    <dgm:fillClrLst meth="repeat">
+      <a:schemeClr val="accent1"/>
+    </dgm:fillClrLst>
+    <dgm:linClrLst meth="repeat">
+      <a:schemeClr val="accent1">
+        <a:shade val="80000"/>
+      </a:schemeClr>
+    </dgm:linClrLst>
+    <dgm:effectClrLst/>
+    <dgm:txLinClrLst/>
+    <dgm:txFillClrLst meth="repeat">
+      <a:schemeClr val="tx1"/>
+    </dgm:txFillClrLst>
+    <dgm:txEffectClrLst/>
+  </dgm:styleLbl>
+  <dgm:styleLbl name="fgAcc1">
+    <dgm:fillClrLst meth="repeat">
+      <a:schemeClr val="lt1">
+        <a:alpha val="90000"/>
+      </a:schemeClr>
+    </dgm:fillClrLst>
+    <dgm:linClrLst meth="repeat">
+      <a:schemeClr val="accent1"/>
+    </dgm:linClrLst>
+    <dgm:effectClrLst/>
+    <dgm:txLinClrLst/>
+    <dgm:txFillClrLst meth="repeat">
+      <a:schemeClr val="dk1"/>
+    </dgm:txFillClrLst>
+    <dgm:txEffectClrLst/>
+  </dgm:styleLbl>
+  <dgm:styleLbl name="conFgAcc1">
+    <dgm:fillClrLst meth="repeat">
+      <a:schemeClr val="lt1">
+        <a:alpha val="90000"/>
+      </a:schemeClr>
+    </dgm:fillClrLst>
+    <dgm:linClrLst meth="repeat">
+      <a:schemeClr val="accent1"/>
+    </dgm:linClrLst>
+    <dgm:effectClrLst/>
+    <dgm:txLinClrLst/>
+    <dgm:txFillClrLst meth="repeat">
+      <a:schemeClr val="dk1"/>
+    </dgm:txFillClrLst>
+    <dgm:txEffectClrLst/>
+  </dgm:styleLbl>
+  <dgm:styleLbl name="alignAcc1">
+    <dgm:fillClrLst meth="repeat">
+      <a:schemeClr val="lt1">
+        <a:alpha val="90000"/>
+      </a:schemeClr>
+    </dgm:fillClrLst>
+    <dgm:linClrLst meth="repeat">
+      <a:schemeClr val="accent1"/>
+    </dgm:linClrLst>
+    <dgm:effectClrLst/>
+    <dgm:txLinClrLst/>
+    <dgm:txFillClrLst meth="repeat">
+      <a:schemeClr val="dk1"/>
+    </dgm:txFillClrLst>
+    <dgm:txEffectClrLst/>
+  </dgm:styleLbl>
+  <dgm:styleLbl name="trAlignAcc1">
+    <dgm:fillClrLst meth="repeat">
+      <a:schemeClr val="lt1">
+        <a:alpha val="40000"/>
+      </a:schemeClr>
+    </dgm:fillClrLst>
+    <dgm:linClrLst meth="repeat">
+      <a:schemeClr val="accent1"/>
+    </dgm:linClrLst>
+    <dgm:effectClrLst/>
+    <dgm:txLinClrLst/>
+    <dgm:txFillClrLst meth="repeat">
+      <a:schemeClr val="dk1"/>
+    </dgm:txFillClrLst>
+    <dgm:txEffectClrLst/>
+  </dgm:styleLbl>
+  <dgm:styleLbl name="bgAcc1">
+    <dgm:fillClrLst meth="repeat">
+      <a:schemeClr val="lt1">
+        <a:alpha val="90000"/>
+      </a:schemeClr>
+    </dgm:fillClrLst>
+    <dgm:linClrLst meth="repeat">
+      <a:schemeClr val="accent1"/>
+    </dgm:linClrLst>
+    <dgm:effectClrLst/>
+    <dgm:txLinClrLst/>
+    <dgm:txFillClrLst meth="repeat">
+      <a:schemeClr val="dk1"/>
+    </dgm:txFillClrLst>
+    <dgm:txEffectClrLst/>
+  </dgm:styleLbl>
+  <dgm:styleLbl name="solidFgAcc1">
+    <dgm:fillClrLst meth="repeat">
+      <a:schemeClr val="lt1"/>
+    </dgm:fillClrLst>
+    <dgm:linClrLst meth="repeat">
+      <a:schemeClr val="accent1"/>
+    </dgm:linClrLst>
+    <dgm:effectClrLst/>
+    <dgm:txLinClrLst/>
+    <dgm:txFillClrLst meth="repeat">
+      <a:schemeClr val="dk1"/>
+    </dgm:txFillClrLst>
+    <dgm:txEffectClrLst/>
+  </dgm:styleLbl>
+  <dgm:styleLbl name="solidAlignAcc1">
+    <dgm:fillClrLst meth="repeat">
+      <a:schemeClr val="lt1"/>
+    </dgm:fillClrLst>
+    <dgm:linClrLst meth="repeat">
+      <a:schemeClr val="accent1"/>
+    </dgm:linClrLst>
+    <dgm:effectClrLst/>
+    <dgm:txLinClrLst/>
+    <dgm:txFillClrLst meth="repeat">
+      <a:schemeClr val="dk1"/>
+    </dgm:txFillClrLst>
+    <dgm:txEffectClrLst/>
+  </dgm:styleLbl>
+  <dgm:styleLbl name="solidBgAcc1">
+    <dgm:fillClrLst meth="repeat">
+      <a:schemeClr val="lt1"/>
+    </dgm:fillClrLst>
+    <dgm:linClrLst meth="repeat">
+      <a:schemeClr val="accent1"/>
+    </dgm:linClrLst>
+    <dgm:effectClrLst/>
+    <dgm:txLinClrLst/>
+    <dgm:txFillClrLst meth="repeat">
+      <a:schemeClr val="dk1"/>
+    </dgm:txFillClrLst>
+    <dgm:txEffectClrLst/>
+  </dgm:styleLbl>
+  <dgm:styleLbl name="fgAccFollowNode1">
+    <dgm:fillClrLst meth="repeat">
+      <a:schemeClr val="accent1">
+        <a:alpha val="90000"/>
+        <a:tint val="40000"/>
+      </a:schemeClr>
+    </dgm:fillClrLst>
+    <dgm:linClrLst meth="repeat">
+      <a:schemeClr val="accent1">
+        <a:alpha val="90000"/>
+        <a:tint val="40000"/>
+      </a:schemeClr>
+    </dgm:linClrLst>
+    <dgm:effectClrLst/>
+    <dgm:txLinClrLst/>
+    <dgm:txFillClrLst meth="repeat">
+      <a:schemeClr val="dk1"/>
+    </dgm:txFillClrLst>
+    <dgm:txEffectClrLst/>
+  </dgm:styleLbl>
+  <dgm:styleLbl name="alignAccFollowNode1">
+    <dgm:fillClrLst meth="repeat">
+      <a:schemeClr val="accent1">
+        <a:alpha val="90000"/>
+        <a:tint val="40000"/>
+      </a:schemeClr>
+    </dgm:fillClrLst>
+    <dgm:linClrLst meth="repeat">
+      <a:schemeClr val="accent1">
+        <a:alpha val="90000"/>
+        <a:tint val="40000"/>
+      </a:schemeClr>
+    </dgm:linClrLst>
+    <dgm:effectClrLst/>
+    <dgm:txLinClrLst/>
+    <dgm:txFillClrLst meth="repeat">
+      <a:schemeClr val="dk1"/>
+    </dgm:txFillClrLst>
+    <dgm:txEffectClrLst/>
+  </dgm:styleLbl>
+  <dgm:styleLbl name="bgAccFollowNode1">
+    <dgm:fillClrLst meth="repeat">
+      <a:schemeClr val="accent1">
+        <a:alpha val="90000"/>
+        <a:tint val="40000"/>
+      </a:schemeClr>
+    </dgm:fillClrLst>
+    <dgm:linClrLst meth="repeat">
+      <a:schemeClr val="accent1">
+        <a:alpha val="90000"/>
+        <a:tint val="40000"/>
+      </a:schemeClr>
+    </dgm:linClrLst>
+    <dgm:effectClrLst/>
+    <dgm:txLinClrLst/>
+    <dgm:txFillClrLst meth="repeat">
+      <a:schemeClr val="dk1"/>
+    </dgm:txFillClrLst>
+    <dgm:txEffectClrLst/>
+  </dgm:styleLbl>
+  <dgm:styleLbl name="fgAcc0">
+    <dgm:fillClrLst meth="repeat">
+      <a:schemeClr val="lt1">
+        <a:alpha val="90000"/>
+      </a:schemeClr>
+    </dgm:fillClrLst>
+    <dgm:linClrLst meth="repeat">
+      <a:schemeClr val="accent1"/>
+    </dgm:linClrLst>
+    <dgm:effectClrLst/>
+    <dgm:txLinClrLst/>
+    <dgm:txFillClrLst meth="repeat">
+      <a:schemeClr val="dk1"/>
+    </dgm:txFillClrLst>
+    <dgm:txEffectClrLst/>
+  </dgm:styleLbl>
+  <dgm:styleLbl name="fgAcc2">
+    <dgm:fillClrLst meth="repeat">
+      <a:schemeClr val="lt1">
+        <a:alpha val="90000"/>
+      </a:schemeClr>
+    </dgm:fillClrLst>
+    <dgm:linClrLst meth="repeat">
+      <a:schemeClr val="accent1"/>
+    </dgm:linClrLst>
+    <dgm:effectClrLst/>
+    <dgm:txLinClrLst/>
+    <dgm:txFillClrLst meth="repeat">
+      <a:schemeClr val="dk1"/>
+    </dgm:txFillClrLst>
+    <dgm:txEffectClrLst/>
+  </dgm:styleLbl>
+  <dgm:styleLbl name="fgAcc3">
+    <dgm:fillClrLst meth="repeat">
+      <a:schemeClr val="lt1">
+        <a:alpha val="90000"/>
+      </a:schemeClr>
+    </dgm:fillClrLst>
+    <dgm:linClrLst meth="repeat">
+      <a:schemeClr val="accent1"/>
+    </dgm:linClrLst>
+    <dgm:effectClrLst/>
+    <dgm:txLinClrLst/>
+    <dgm:txFillClrLst meth="repeat">
+      <a:schemeClr val="dk1"/>
+    </dgm:txFillClrLst>
+    <dgm:txEffectClrLst/>
+  </dgm:styleLbl>
+  <dgm:styleLbl name="fgAcc4">
+    <dgm:fillClrLst meth="repeat">
+      <a:schemeClr val="lt1">
+        <a:alpha val="90000"/>
+      </a:schemeClr>
+    </dgm:fillClrLst>
+    <dgm:linClrLst meth="repeat">
+      <a:schemeClr val="accent1"/>
+    </dgm:linClrLst>
+    <dgm:effectClrLst/>
+    <dgm:txLinClrLst/>
+    <dgm:txFillClrLst meth="repeat">
+      <a:schemeClr val="dk1"/>
+    </dgm:txFillClrLst>
+    <dgm:txEffectClrLst/>
+  </dgm:styleLbl>
+  <dgm:styleLbl name="bgShp">
+    <dgm:fillClrLst meth="repeat">
+      <a:schemeClr val="accent1">
+        <a:tint val="40000"/>
+      </a:schemeClr>
+    </dgm:fillClrLst>
+    <dgm:linClrLst meth="repeat">
+      <a:schemeClr val="accent1"/>
+    </dgm:linClrLst>
+    <dgm:effectClrLst/>
+    <dgm:txLinClrLst/>
+    <dgm:txFillClrLst meth="repeat">
+      <a:schemeClr val="dk1"/>
+    </dgm:txFillClrLst>
+    <dgm:txEffectClrLst/>
+  </dgm:styleLbl>
+  <dgm:styleLbl name="dkBgShp">
+    <dgm:fillClrLst meth="repeat">
+      <a:schemeClr val="accent1">
+        <a:shade val="80000"/>
+      </a:schemeClr>
+    </dgm:fillClrLst>
+    <dgm:linClrLst meth="repeat">
+      <a:schemeClr val="accent1"/>
+    </dgm:linClrLst>
+    <dgm:effectClrLst/>
+    <dgm:txLinClrLst/>
+    <dgm:txFillClrLst meth="repeat">
+      <a:schemeClr val="lt1"/>
+    </dgm:txFillClrLst>
+    <dgm:txEffectClrLst/>
+  </dgm:styleLbl>
+  <dgm:styleLbl name="trBgShp">
+    <dgm:fillClrLst meth="repeat">
+      <a:schemeClr val="accent1">
+        <a:tint val="50000"/>
+        <a:alpha val="40000"/>
+      </a:schemeClr>
+    </dgm:fillClrLst>
+    <dgm:linClrLst meth="repeat">
+      <a:schemeClr val="accent1"/>
+    </dgm:linClrLst>
+    <dgm:effectClrLst/>
+    <dgm:txLinClrLst/>
+    <dgm:txFillClrLst meth="repeat">
+      <a:schemeClr val="lt1"/>
+    </dgm:txFillClrLst>
+    <dgm:txEffectClrLst/>
+  </dgm:styleLbl>
+  <dgm:styleLbl name="fgShp">
+    <dgm:fillClrLst meth="repeat">
+      <a:schemeClr val="accent1">
+        <a:tint val="60000"/>
+      </a:schemeClr>
+    </dgm:fillClrLst>
+    <dgm:linClrLst meth="repeat">
+      <a:schemeClr val="lt1"/>
+    </dgm:linClrLst>
+    <dgm:effectClrLst/>
+    <dgm:txLinClrLst/>
+    <dgm:txFillClrLst meth="repeat">
+      <a:schemeClr val="dk1"/>
+    </dgm:txFillClrLst>
+    <dgm:txEffectClrLst/>
+  </dgm:styleLbl>
+  <dgm:styleLbl name="revTx">
+    <dgm:fillClrLst meth="repeat">
+      <a:schemeClr val="lt1">
         <a:alpha val="0"/>
       </a:schemeClr>
     </dgm:fillClrLst>
@@ -1143,6 +1895,13 @@
         </dgm:presLayoutVars>
       </dgm:prSet>
       <dgm:spPr/>
+      <dgm:t>
+        <a:bodyPr/>
+        <a:lstStyle/>
+        <a:p>
+          <a:endParaRPr lang="en-US"/>
+        </a:p>
+      </dgm:t>
     </dgm:pt>
     <dgm:pt modelId="{DFD25D73-98A7-4E5C-939F-46451C7F0541}" type="pres">
       <dgm:prSet presAssocID="{F78214CC-1B41-45B5-9D71-51162E9FA7C1}" presName="boxAndChildren" presStyleCnt="0"/>
@@ -1200,6 +1959,13 @@
     <dgm:pt modelId="{54B9CE74-1783-47C9-98D1-46A3B1B4AFB2}" type="pres">
       <dgm:prSet presAssocID="{5835E0EC-5F94-4C33-9C2F-BD593D8725AC}" presName="parentTextArrow" presStyleLbl="node1" presStyleIdx="0" presStyleCnt="3"/>
       <dgm:spPr/>
+      <dgm:t>
+        <a:bodyPr/>
+        <a:lstStyle/>
+        <a:p>
+          <a:endParaRPr lang="en-US"/>
+        </a:p>
+      </dgm:t>
     </dgm:pt>
     <dgm:pt modelId="{64D67209-FF18-4845-AECB-E6307350A885}" type="pres">
       <dgm:prSet presAssocID="{5835E0EC-5F94-4C33-9C2F-BD593D8725AC}" presName="arrow" presStyleLbl="node1" presStyleIdx="1" presStyleCnt="3"/>
@@ -1297,24 +2063,24 @@
     </dgm:pt>
   </dgm:ptLst>
   <dgm:cxnLst>
-    <dgm:cxn modelId="{72ABA1D2-BAE5-4955-9D3A-7A9087B08A8F}" type="presOf" srcId="{F78214CC-1B41-45B5-9D71-51162E9FA7C1}" destId="{5A3B0F2D-98D5-49F9-8AB3-87AF2EF08685}" srcOrd="1" destOrd="0" presId="urn:microsoft.com/office/officeart/2005/8/layout/process4"/>
-    <dgm:cxn modelId="{9B666FF1-D595-400E-97F8-AB24B2121800}" type="presOf" srcId="{5835E0EC-5F94-4C33-9C2F-BD593D8725AC}" destId="{64D67209-FF18-4845-AECB-E6307350A885}" srcOrd="1" destOrd="0" presId="urn:microsoft.com/office/officeart/2005/8/layout/process4"/>
-    <dgm:cxn modelId="{86C65212-4CE0-4AC3-B5AD-59C139C8CA40}" srcId="{F78214CC-1B41-45B5-9D71-51162E9FA7C1}" destId="{15A6FC89-0681-4509-A920-EBDC49B74DE7}" srcOrd="0" destOrd="0" parTransId="{83B4FC17-89E8-4235-AEFF-FDD5DB2D9DF8}" sibTransId="{D36A54E8-69C0-45B2-B8B7-FF870D8B8CF8}"/>
-    <dgm:cxn modelId="{BC96555A-5A67-4092-9939-A1456155ED65}" srcId="{5835E0EC-5F94-4C33-9C2F-BD593D8725AC}" destId="{5A122ABC-4040-43F4-99D2-BCF1ADC5D33F}" srcOrd="0" destOrd="0" parTransId="{57AAFE86-49A1-460C-BE79-A868AB85164E}" sibTransId="{8B91EFD1-E1D5-4CD3-BD9C-CE6DB3D4BA7F}"/>
-    <dgm:cxn modelId="{B40AC174-FA60-473B-A731-38CCF5B542DA}" srcId="{E315BE3C-71B0-45E5-92CE-C7AF9091F3D6}" destId="{F78214CC-1B41-45B5-9D71-51162E9FA7C1}" srcOrd="2" destOrd="0" parTransId="{62C85FD5-B6AF-478E-A174-60DA2B4A29E3}" sibTransId="{8AF74EF0-221C-4974-8298-F2712E4EBCC7}"/>
-    <dgm:cxn modelId="{4F1DA753-B069-4CCF-8D44-7BA5951EDFE2}" type="presOf" srcId="{15A6FC89-0681-4509-A920-EBDC49B74DE7}" destId="{32387DD3-B884-4F43-AE44-0019DD7C7F28}" srcOrd="0" destOrd="0" presId="urn:microsoft.com/office/officeart/2005/8/layout/process4"/>
-    <dgm:cxn modelId="{DB1AB98B-473B-4AC2-99E6-EFBDDFA1A366}" type="presOf" srcId="{F78214CC-1B41-45B5-9D71-51162E9FA7C1}" destId="{4BF58D3E-AB02-4475-AEA4-9701E5A4E255}" srcOrd="0" destOrd="0" presId="urn:microsoft.com/office/officeart/2005/8/layout/process4"/>
-    <dgm:cxn modelId="{86F5225A-B921-4F1D-A6DE-B6C332FC5C88}" type="presOf" srcId="{5A6F9088-8A46-4289-B2FB-C1A9B1D3C380}" destId="{9BD09D83-B28C-481D-8D6D-D6EA3633F1C2}" srcOrd="0" destOrd="0" presId="urn:microsoft.com/office/officeart/2005/8/layout/process4"/>
     <dgm:cxn modelId="{0349B342-2D61-40E9-A36B-9BE54C7C916A}" srcId="{5835E0EC-5F94-4C33-9C2F-BD593D8725AC}" destId="{5A6F9088-8A46-4289-B2FB-C1A9B1D3C380}" srcOrd="1" destOrd="0" parTransId="{32D3D87B-3E67-44C5-A9C6-C19E73031C14}" sibTransId="{8E045AEC-0AC5-466C-8DB2-40B032CE8DE9}"/>
     <dgm:cxn modelId="{5DF8EA6F-3DAE-4AE7-8E6A-1348B8BBF517}" srcId="{2F4B7493-2B9F-4CEE-85C9-130CE7DB667D}" destId="{A9369505-6001-41B6-9395-26FA5A1BE247}" srcOrd="0" destOrd="0" parTransId="{AEB22C59-2F63-4E44-8057-1C2352030F4D}" sibTransId="{2E946E93-2D7C-4FCC-A7E1-56E0D1BB8DFC}"/>
+    <dgm:cxn modelId="{33E81697-820D-4A6D-8303-C70ED8CF3E2B}" type="presOf" srcId="{5835E0EC-5F94-4C33-9C2F-BD593D8725AC}" destId="{54B9CE74-1783-47C9-98D1-46A3B1B4AFB2}" srcOrd="0" destOrd="0" presId="urn:microsoft.com/office/officeart/2005/8/layout/process4"/>
+    <dgm:cxn modelId="{86F5225A-B921-4F1D-A6DE-B6C332FC5C88}" type="presOf" srcId="{5A6F9088-8A46-4289-B2FB-C1A9B1D3C380}" destId="{9BD09D83-B28C-481D-8D6D-D6EA3633F1C2}" srcOrd="0" destOrd="0" presId="urn:microsoft.com/office/officeart/2005/8/layout/process4"/>
+    <dgm:cxn modelId="{A78C9CFF-F755-4EAF-92EE-773502B46ED3}" srcId="{E315BE3C-71B0-45E5-92CE-C7AF9091F3D6}" destId="{5835E0EC-5F94-4C33-9C2F-BD593D8725AC}" srcOrd="1" destOrd="0" parTransId="{70DBC613-57BD-482A-86FC-CCEBA9AC1541}" sibTransId="{0C1EFE35-2C77-44DA-8BCD-F6254DDD67A1}"/>
     <dgm:cxn modelId="{59220E99-C41E-45FA-A998-BE670C1432D3}" type="presOf" srcId="{A9369505-6001-41B6-9395-26FA5A1BE247}" destId="{452ED667-B616-4855-B605-EF1A3132A735}" srcOrd="0" destOrd="0" presId="urn:microsoft.com/office/officeart/2005/8/layout/process4"/>
-    <dgm:cxn modelId="{33E81697-820D-4A6D-8303-C70ED8CF3E2B}" type="presOf" srcId="{5835E0EC-5F94-4C33-9C2F-BD593D8725AC}" destId="{54B9CE74-1783-47C9-98D1-46A3B1B4AFB2}" srcOrd="0" destOrd="0" presId="urn:microsoft.com/office/officeart/2005/8/layout/process4"/>
+    <dgm:cxn modelId="{186CFCB0-BA1E-479B-9F90-9BE0E5CEC79F}" type="presOf" srcId="{2F4B7493-2B9F-4CEE-85C9-130CE7DB667D}" destId="{B269F3E0-0364-4B35-8EE3-B7076ED9F8E5}" srcOrd="1" destOrd="0" presId="urn:microsoft.com/office/officeart/2005/8/layout/process4"/>
+    <dgm:cxn modelId="{9B666FF1-D595-400E-97F8-AB24B2121800}" type="presOf" srcId="{5835E0EC-5F94-4C33-9C2F-BD593D8725AC}" destId="{64D67209-FF18-4845-AECB-E6307350A885}" srcOrd="1" destOrd="0" presId="urn:microsoft.com/office/officeart/2005/8/layout/process4"/>
+    <dgm:cxn modelId="{BC96555A-5A67-4092-9939-A1456155ED65}" srcId="{5835E0EC-5F94-4C33-9C2F-BD593D8725AC}" destId="{5A122ABC-4040-43F4-99D2-BCF1ADC5D33F}" srcOrd="0" destOrd="0" parTransId="{57AAFE86-49A1-460C-BE79-A868AB85164E}" sibTransId="{8B91EFD1-E1D5-4CD3-BD9C-CE6DB3D4BA7F}"/>
+    <dgm:cxn modelId="{DB1AB98B-473B-4AC2-99E6-EFBDDFA1A366}" type="presOf" srcId="{F78214CC-1B41-45B5-9D71-51162E9FA7C1}" destId="{4BF58D3E-AB02-4475-AEA4-9701E5A4E255}" srcOrd="0" destOrd="0" presId="urn:microsoft.com/office/officeart/2005/8/layout/process4"/>
+    <dgm:cxn modelId="{53496A5F-2DB6-4AA6-B052-EABD053AA78C}" srcId="{E315BE3C-71B0-45E5-92CE-C7AF9091F3D6}" destId="{2F4B7493-2B9F-4CEE-85C9-130CE7DB667D}" srcOrd="0" destOrd="0" parTransId="{AD295EAD-DB59-46C3-8F70-545346ED2B66}" sibTransId="{7359C06F-7412-4DE0-8F94-0D37A3F8D473}"/>
+    <dgm:cxn modelId="{D85FDFEC-F7E5-40EE-9B95-28F8E9D8DDBC}" type="presOf" srcId="{E315BE3C-71B0-45E5-92CE-C7AF9091F3D6}" destId="{EC57FAF8-32C7-42E8-9377-8969E542ECDF}" srcOrd="0" destOrd="0" presId="urn:microsoft.com/office/officeart/2005/8/layout/process4"/>
+    <dgm:cxn modelId="{B40AC174-FA60-473B-A731-38CCF5B542DA}" srcId="{E315BE3C-71B0-45E5-92CE-C7AF9091F3D6}" destId="{F78214CC-1B41-45B5-9D71-51162E9FA7C1}" srcOrd="2" destOrd="0" parTransId="{62C85FD5-B6AF-478E-A174-60DA2B4A29E3}" sibTransId="{8AF74EF0-221C-4974-8298-F2712E4EBCC7}"/>
+    <dgm:cxn modelId="{86C65212-4CE0-4AC3-B5AD-59C139C8CA40}" srcId="{F78214CC-1B41-45B5-9D71-51162E9FA7C1}" destId="{15A6FC89-0681-4509-A920-EBDC49B74DE7}" srcOrd="0" destOrd="0" parTransId="{83B4FC17-89E8-4235-AEFF-FDD5DB2D9DF8}" sibTransId="{D36A54E8-69C0-45B2-B8B7-FF870D8B8CF8}"/>
+    <dgm:cxn modelId="{4F1DA753-B069-4CCF-8D44-7BA5951EDFE2}" type="presOf" srcId="{15A6FC89-0681-4509-A920-EBDC49B74DE7}" destId="{32387DD3-B884-4F43-AE44-0019DD7C7F28}" srcOrd="0" destOrd="0" presId="urn:microsoft.com/office/officeart/2005/8/layout/process4"/>
     <dgm:cxn modelId="{E936728A-FF13-4096-95D8-ADE98F6E4D93}" type="presOf" srcId="{2F4B7493-2B9F-4CEE-85C9-130CE7DB667D}" destId="{F254A3E6-EAB5-489F-8502-08FEE536837A}" srcOrd="0" destOrd="0" presId="urn:microsoft.com/office/officeart/2005/8/layout/process4"/>
-    <dgm:cxn modelId="{53496A5F-2DB6-4AA6-B052-EABD053AA78C}" srcId="{E315BE3C-71B0-45E5-92CE-C7AF9091F3D6}" destId="{2F4B7493-2B9F-4CEE-85C9-130CE7DB667D}" srcOrd="0" destOrd="0" parTransId="{AD295EAD-DB59-46C3-8F70-545346ED2B66}" sibTransId="{7359C06F-7412-4DE0-8F94-0D37A3F8D473}"/>
-    <dgm:cxn modelId="{A78C9CFF-F755-4EAF-92EE-773502B46ED3}" srcId="{E315BE3C-71B0-45E5-92CE-C7AF9091F3D6}" destId="{5835E0EC-5F94-4C33-9C2F-BD593D8725AC}" srcOrd="1" destOrd="0" parTransId="{70DBC613-57BD-482A-86FC-CCEBA9AC1541}" sibTransId="{0C1EFE35-2C77-44DA-8BCD-F6254DDD67A1}"/>
-    <dgm:cxn modelId="{D85FDFEC-F7E5-40EE-9B95-28F8E9D8DDBC}" type="presOf" srcId="{E315BE3C-71B0-45E5-92CE-C7AF9091F3D6}" destId="{EC57FAF8-32C7-42E8-9377-8969E542ECDF}" srcOrd="0" destOrd="0" presId="urn:microsoft.com/office/officeart/2005/8/layout/process4"/>
+    <dgm:cxn modelId="{72ABA1D2-BAE5-4955-9D3A-7A9087B08A8F}" type="presOf" srcId="{F78214CC-1B41-45B5-9D71-51162E9FA7C1}" destId="{5A3B0F2D-98D5-49F9-8AB3-87AF2EF08685}" srcOrd="1" destOrd="0" presId="urn:microsoft.com/office/officeart/2005/8/layout/process4"/>
     <dgm:cxn modelId="{ABE607C4-2F33-4A4D-B988-E86CA216232A}" type="presOf" srcId="{5A122ABC-4040-43F4-99D2-BCF1ADC5D33F}" destId="{F80629D5-E413-434A-9056-477A967C0CD2}" srcOrd="0" destOrd="0" presId="urn:microsoft.com/office/officeart/2005/8/layout/process4"/>
-    <dgm:cxn modelId="{186CFCB0-BA1E-479B-9F90-9BE0E5CEC79F}" type="presOf" srcId="{2F4B7493-2B9F-4CEE-85C9-130CE7DB667D}" destId="{B269F3E0-0364-4B35-8EE3-B7076ED9F8E5}" srcOrd="1" destOrd="0" presId="urn:microsoft.com/office/officeart/2005/8/layout/process4"/>
     <dgm:cxn modelId="{592D8EE1-0DD1-4D0C-82E9-FA9B65159AA1}" type="presParOf" srcId="{EC57FAF8-32C7-42E8-9377-8969E542ECDF}" destId="{DFD25D73-98A7-4E5C-939F-46451C7F0541}" srcOrd="0" destOrd="0" presId="urn:microsoft.com/office/officeart/2005/8/layout/process4"/>
     <dgm:cxn modelId="{17D8240A-0FB9-4E7A-BC4D-A2E290FCB845}" type="presParOf" srcId="{DFD25D73-98A7-4E5C-939F-46451C7F0541}" destId="{4BF58D3E-AB02-4475-AEA4-9701E5A4E255}" srcOrd="0" destOrd="0" presId="urn:microsoft.com/office/officeart/2005/8/layout/process4"/>
     <dgm:cxn modelId="{1155B381-70FB-4345-BD70-11B2F1AA3247}" type="presParOf" srcId="{DFD25D73-98A7-4E5C-939F-46451C7F0541}" destId="{5A3B0F2D-98D5-49F9-8AB3-87AF2EF08685}" srcOrd="1" destOrd="0" presId="urn:microsoft.com/office/officeart/2005/8/layout/process4"/>
@@ -1333,6 +2099,396 @@
     <dgm:cxn modelId="{7AD0DD7A-0EF6-484F-991D-B0A7A8FD13C5}" type="presParOf" srcId="{9D1FF4AB-AE4C-45B3-9476-8BCF55404CCB}" destId="{B269F3E0-0364-4B35-8EE3-B7076ED9F8E5}" srcOrd="1" destOrd="0" presId="urn:microsoft.com/office/officeart/2005/8/layout/process4"/>
     <dgm:cxn modelId="{F58770E1-91C6-4BA0-8F94-883CCEE0AA72}" type="presParOf" srcId="{9D1FF4AB-AE4C-45B3-9476-8BCF55404CCB}" destId="{13F95E13-2D56-481E-8652-69FBE99D82D6}" srcOrd="2" destOrd="0" presId="urn:microsoft.com/office/officeart/2005/8/layout/process4"/>
     <dgm:cxn modelId="{E02663AE-25DE-40B0-BD33-30E233743A14}" type="presParOf" srcId="{13F95E13-2D56-481E-8652-69FBE99D82D6}" destId="{452ED667-B616-4855-B605-EF1A3132A735}" srcOrd="0" destOrd="0" presId="urn:microsoft.com/office/officeart/2005/8/layout/process4"/>
+  </dgm:cxnLst>
+  <dgm:bg/>
+  <dgm:whole/>
+  <dgm:extLst>
+    <a:ext uri="http://schemas.microsoft.com/office/drawing/2008/diagram">
+      <dsp:dataModelExt xmlns:dsp="http://schemas.microsoft.com/office/drawing/2008/diagram" relId="rId6" minVer="http://schemas.openxmlformats.org/drawingml/2006/diagram"/>
+    </a:ext>
+  </dgm:extLst>
+</dgm:dataModel>
+</file>
+
+<file path=ppt/diagrams/data2.xml><?xml version="1.0" encoding="utf-8"?>
+<dgm:dataModel xmlns:dgm="http://schemas.openxmlformats.org/drawingml/2006/diagram" xmlns:a="http://schemas.openxmlformats.org/drawingml/2006/main">
+  <dgm:ptLst>
+    <dgm:pt modelId="{ECD4F215-866D-47E7-8BDF-0E2A9EF280E1}" type="doc">
+      <dgm:prSet loTypeId="urn:microsoft.com/office/officeart/2005/8/layout/radial3" loCatId="relationship" qsTypeId="urn:microsoft.com/office/officeart/2005/8/quickstyle/simple1" qsCatId="simple" csTypeId="urn:microsoft.com/office/officeart/2005/8/colors/accent1_2" csCatId="accent1" phldr="1"/>
+      <dgm:spPr/>
+      <dgm:t>
+        <a:bodyPr/>
+        <a:lstStyle/>
+        <a:p>
+          <a:endParaRPr lang="en-US"/>
+        </a:p>
+      </dgm:t>
+    </dgm:pt>
+    <dgm:pt modelId="{8797E846-E97D-44AD-A369-A2FEBEC81221}">
+      <dgm:prSet phldrT="[Text]" custT="1"/>
+      <dgm:spPr/>
+      <dgm:t>
+        <a:bodyPr/>
+        <a:lstStyle/>
+        <a:p>
+          <a:pPr>
+            <a:lnSpc>
+              <a:spcPct val="90000"/>
+            </a:lnSpc>
+            <a:spcAft>
+              <a:spcPct val="35000"/>
+            </a:spcAft>
+          </a:pPr>
+          <a:r>
+            <a:rPr lang="en-US" sz="2400" dirty="0" smtClean="0"/>
+            <a:t>Network Simulation </a:t>
+          </a:r>
+        </a:p>
+        <a:p>
+          <a:pPr>
+            <a:lnSpc>
+              <a:spcPct val="100000"/>
+            </a:lnSpc>
+            <a:spcAft>
+              <a:spcPts val="0"/>
+            </a:spcAft>
+          </a:pPr>
+          <a:r>
+            <a:rPr lang="en-US" sz="1600" dirty="0" smtClean="0"/>
+            <a:t>Broadcast</a:t>
+          </a:r>
+        </a:p>
+        <a:p>
+          <a:pPr>
+            <a:lnSpc>
+              <a:spcPct val="100000"/>
+            </a:lnSpc>
+            <a:spcAft>
+              <a:spcPts val="0"/>
+            </a:spcAft>
+          </a:pPr>
+          <a:r>
+            <a:rPr lang="en-US" sz="1600" dirty="0" smtClean="0"/>
+            <a:t>Unicast</a:t>
+          </a:r>
+        </a:p>
+        <a:p>
+          <a:pPr>
+            <a:lnSpc>
+              <a:spcPct val="100000"/>
+            </a:lnSpc>
+            <a:spcAft>
+              <a:spcPts val="0"/>
+            </a:spcAft>
+          </a:pPr>
+          <a:r>
+            <a:rPr lang="en-US" sz="1600" dirty="0" smtClean="0"/>
+            <a:t>Neighbors</a:t>
+          </a:r>
+        </a:p>
+      </dgm:t>
+    </dgm:pt>
+    <dgm:pt modelId="{041A4BCE-AA3A-4D11-9665-7AF71D187B2D}" type="parTrans" cxnId="{F3B28D98-4DC2-469F-A646-7E1D2CE61A2A}">
+      <dgm:prSet/>
+      <dgm:spPr/>
+      <dgm:t>
+        <a:bodyPr/>
+        <a:lstStyle/>
+        <a:p>
+          <a:endParaRPr lang="en-US"/>
+        </a:p>
+      </dgm:t>
+    </dgm:pt>
+    <dgm:pt modelId="{77E0353E-5E9B-415D-8153-DF9182557524}" type="sibTrans" cxnId="{F3B28D98-4DC2-469F-A646-7E1D2CE61A2A}">
+      <dgm:prSet/>
+      <dgm:spPr/>
+      <dgm:t>
+        <a:bodyPr/>
+        <a:lstStyle/>
+        <a:p>
+          <a:endParaRPr lang="en-US"/>
+        </a:p>
+      </dgm:t>
+    </dgm:pt>
+    <dgm:pt modelId="{A1111B72-FF99-4161-BC92-6E2639B8CF75}">
+      <dgm:prSet phldrT="[Text]"/>
+      <dgm:spPr/>
+      <dgm:t>
+        <a:bodyPr/>
+        <a:lstStyle/>
+        <a:p>
+          <a:r>
+            <a:rPr lang="en-US" dirty="0" smtClean="0"/>
+            <a:t>Simulated</a:t>
+          </a:r>
+        </a:p>
+        <a:p>
+          <a:r>
+            <a:rPr lang="en-US" dirty="0" smtClean="0"/>
+            <a:t>Client</a:t>
+          </a:r>
+        </a:p>
+      </dgm:t>
+    </dgm:pt>
+    <dgm:pt modelId="{6FACA48B-9554-4977-A798-765F683E3E04}" type="parTrans" cxnId="{58E402BB-D203-4B93-B860-C071EACB0D4D}">
+      <dgm:prSet/>
+      <dgm:spPr/>
+      <dgm:t>
+        <a:bodyPr/>
+        <a:lstStyle/>
+        <a:p>
+          <a:endParaRPr lang="en-US"/>
+        </a:p>
+      </dgm:t>
+    </dgm:pt>
+    <dgm:pt modelId="{E3BFDAB6-25EE-4C88-806E-CF25A37E8275}" type="sibTrans" cxnId="{58E402BB-D203-4B93-B860-C071EACB0D4D}">
+      <dgm:prSet/>
+      <dgm:spPr/>
+      <dgm:t>
+        <a:bodyPr/>
+        <a:lstStyle/>
+        <a:p>
+          <a:endParaRPr lang="en-US"/>
+        </a:p>
+      </dgm:t>
+    </dgm:pt>
+    <dgm:pt modelId="{C5496CF0-DE2A-49B6-A7E6-2AC694F59761}">
+      <dgm:prSet phldrT="[Text]"/>
+      <dgm:spPr/>
+      <dgm:t>
+        <a:bodyPr/>
+        <a:lstStyle/>
+        <a:p>
+          <a:r>
+            <a:rPr lang="en-US" dirty="0" smtClean="0"/>
+            <a:t>Simulated</a:t>
+          </a:r>
+        </a:p>
+        <a:p>
+          <a:r>
+            <a:rPr lang="en-US" dirty="0" smtClean="0"/>
+            <a:t>Client</a:t>
+          </a:r>
+          <a:endParaRPr lang="en-US" dirty="0"/>
+        </a:p>
+      </dgm:t>
+    </dgm:pt>
+    <dgm:pt modelId="{02732FD2-E46E-48FB-B953-586E124257DB}" type="parTrans" cxnId="{E422188B-B59A-431E-AB42-7016CD2F620B}">
+      <dgm:prSet/>
+      <dgm:spPr/>
+      <dgm:t>
+        <a:bodyPr/>
+        <a:lstStyle/>
+        <a:p>
+          <a:endParaRPr lang="en-US"/>
+        </a:p>
+      </dgm:t>
+    </dgm:pt>
+    <dgm:pt modelId="{BD044BDD-1A3B-4F99-8261-887239EE93CA}" type="sibTrans" cxnId="{E422188B-B59A-431E-AB42-7016CD2F620B}">
+      <dgm:prSet/>
+      <dgm:spPr/>
+      <dgm:t>
+        <a:bodyPr/>
+        <a:lstStyle/>
+        <a:p>
+          <a:endParaRPr lang="en-US"/>
+        </a:p>
+      </dgm:t>
+    </dgm:pt>
+    <dgm:pt modelId="{18FA0DBD-2D8C-4E68-B16A-BC73CF19A567}">
+      <dgm:prSet phldrT="[Text]"/>
+      <dgm:spPr/>
+      <dgm:t>
+        <a:bodyPr/>
+        <a:lstStyle/>
+        <a:p>
+          <a:r>
+            <a:rPr lang="en-US" dirty="0" smtClean="0"/>
+            <a:t>Simulated</a:t>
+          </a:r>
+        </a:p>
+        <a:p>
+          <a:r>
+            <a:rPr lang="en-US" dirty="0" smtClean="0"/>
+            <a:t>Client</a:t>
+          </a:r>
+          <a:endParaRPr lang="en-US" dirty="0"/>
+        </a:p>
+      </dgm:t>
+    </dgm:pt>
+    <dgm:pt modelId="{D3E7C8BA-8D19-446F-832D-F7FBFFB4BA99}" type="parTrans" cxnId="{09136B9F-5BAB-4C98-BB59-7349B926B968}">
+      <dgm:prSet/>
+      <dgm:spPr/>
+      <dgm:t>
+        <a:bodyPr/>
+        <a:lstStyle/>
+        <a:p>
+          <a:endParaRPr lang="en-US"/>
+        </a:p>
+      </dgm:t>
+    </dgm:pt>
+    <dgm:pt modelId="{8C2CAD24-DB48-4894-A269-9DB21A911724}" type="sibTrans" cxnId="{09136B9F-5BAB-4C98-BB59-7349B926B968}">
+      <dgm:prSet/>
+      <dgm:spPr/>
+      <dgm:t>
+        <a:bodyPr/>
+        <a:lstStyle/>
+        <a:p>
+          <a:endParaRPr lang="en-US"/>
+        </a:p>
+      </dgm:t>
+    </dgm:pt>
+    <dgm:pt modelId="{CB55E2F1-B687-4BF0-8D02-5DC95F5DB6C1}">
+      <dgm:prSet phldrT="[Text]"/>
+      <dgm:spPr/>
+      <dgm:t>
+        <a:bodyPr/>
+        <a:lstStyle/>
+        <a:p>
+          <a:r>
+            <a:rPr lang="en-US" dirty="0" smtClean="0"/>
+            <a:t>Simulated</a:t>
+          </a:r>
+        </a:p>
+        <a:p>
+          <a:r>
+            <a:rPr lang="en-US" dirty="0" smtClean="0"/>
+            <a:t>Client</a:t>
+          </a:r>
+          <a:endParaRPr lang="en-US" dirty="0"/>
+        </a:p>
+      </dgm:t>
+    </dgm:pt>
+    <dgm:pt modelId="{B021C390-5E7A-4265-88AB-CB5C35B920E2}" type="parTrans" cxnId="{53A491CE-7E42-49D4-9A6C-E3C1039C9758}">
+      <dgm:prSet/>
+      <dgm:spPr/>
+      <dgm:t>
+        <a:bodyPr/>
+        <a:lstStyle/>
+        <a:p>
+          <a:endParaRPr lang="en-US"/>
+        </a:p>
+      </dgm:t>
+    </dgm:pt>
+    <dgm:pt modelId="{FB947983-85DB-408B-8888-A2C977BE7037}" type="sibTrans" cxnId="{53A491CE-7E42-49D4-9A6C-E3C1039C9758}">
+      <dgm:prSet/>
+      <dgm:spPr/>
+      <dgm:t>
+        <a:bodyPr/>
+        <a:lstStyle/>
+        <a:p>
+          <a:endParaRPr lang="en-US"/>
+        </a:p>
+      </dgm:t>
+    </dgm:pt>
+    <dgm:pt modelId="{7C167328-B056-4444-A4E3-896A4E0661E0}" type="pres">
+      <dgm:prSet presAssocID="{ECD4F215-866D-47E7-8BDF-0E2A9EF280E1}" presName="composite" presStyleCnt="0">
+        <dgm:presLayoutVars>
+          <dgm:chMax val="1"/>
+          <dgm:dir/>
+          <dgm:resizeHandles val="exact"/>
+        </dgm:presLayoutVars>
+      </dgm:prSet>
+      <dgm:spPr/>
+    </dgm:pt>
+    <dgm:pt modelId="{98CF390D-FA1F-4B4F-ADF5-2EC535CE7327}" type="pres">
+      <dgm:prSet presAssocID="{ECD4F215-866D-47E7-8BDF-0E2A9EF280E1}" presName="radial" presStyleCnt="0">
+        <dgm:presLayoutVars>
+          <dgm:animLvl val="ctr"/>
+        </dgm:presLayoutVars>
+      </dgm:prSet>
+      <dgm:spPr/>
+    </dgm:pt>
+    <dgm:pt modelId="{CA06AD72-8F3C-42EF-BA5C-2C509C9CF0DE}" type="pres">
+      <dgm:prSet presAssocID="{8797E846-E97D-44AD-A369-A2FEBEC81221}" presName="centerShape" presStyleLbl="vennNode1" presStyleIdx="0" presStyleCnt="5" custScaleX="82510" custScaleY="82279"/>
+      <dgm:spPr/>
+      <dgm:t>
+        <a:bodyPr/>
+        <a:lstStyle/>
+        <a:p>
+          <a:endParaRPr lang="en-US"/>
+        </a:p>
+      </dgm:t>
+    </dgm:pt>
+    <dgm:pt modelId="{B82D84AB-C3D1-4C69-97E2-D62A274DFC50}" type="pres">
+      <dgm:prSet presAssocID="{A1111B72-FF99-4161-BC92-6E2639B8CF75}" presName="node" presStyleLbl="vennNode1" presStyleIdx="1" presStyleCnt="5" custScaleX="145716" custScaleY="145716">
+        <dgm:presLayoutVars>
+          <dgm:bulletEnabled val="1"/>
+        </dgm:presLayoutVars>
+      </dgm:prSet>
+      <dgm:spPr/>
+      <dgm:t>
+        <a:bodyPr/>
+        <a:lstStyle/>
+        <a:p>
+          <a:endParaRPr lang="en-US"/>
+        </a:p>
+      </dgm:t>
+    </dgm:pt>
+    <dgm:pt modelId="{14A9A1A4-5462-4BC1-8A58-6B3D5FAB5486}" type="pres">
+      <dgm:prSet presAssocID="{C5496CF0-DE2A-49B6-A7E6-2AC694F59761}" presName="node" presStyleLbl="vennNode1" presStyleIdx="2" presStyleCnt="5" custScaleX="145716" custScaleY="145716">
+        <dgm:presLayoutVars>
+          <dgm:bulletEnabled val="1"/>
+        </dgm:presLayoutVars>
+      </dgm:prSet>
+      <dgm:spPr/>
+      <dgm:t>
+        <a:bodyPr/>
+        <a:lstStyle/>
+        <a:p>
+          <a:endParaRPr lang="en-US"/>
+        </a:p>
+      </dgm:t>
+    </dgm:pt>
+    <dgm:pt modelId="{E95595E8-A1B1-4365-AFFA-C197FCB19BD7}" type="pres">
+      <dgm:prSet presAssocID="{18FA0DBD-2D8C-4E68-B16A-BC73CF19A567}" presName="node" presStyleLbl="vennNode1" presStyleIdx="3" presStyleCnt="5" custScaleX="145716" custScaleY="145716">
+        <dgm:presLayoutVars>
+          <dgm:bulletEnabled val="1"/>
+        </dgm:presLayoutVars>
+      </dgm:prSet>
+      <dgm:spPr/>
+      <dgm:t>
+        <a:bodyPr/>
+        <a:lstStyle/>
+        <a:p>
+          <a:endParaRPr lang="en-US"/>
+        </a:p>
+      </dgm:t>
+    </dgm:pt>
+    <dgm:pt modelId="{E3AA6750-758C-4918-9AA3-A20AE5F1ACE7}" type="pres">
+      <dgm:prSet presAssocID="{CB55E2F1-B687-4BF0-8D02-5DC95F5DB6C1}" presName="node" presStyleLbl="vennNode1" presStyleIdx="4" presStyleCnt="5" custScaleX="145716" custScaleY="145716">
+        <dgm:presLayoutVars>
+          <dgm:bulletEnabled val="1"/>
+        </dgm:presLayoutVars>
+      </dgm:prSet>
+      <dgm:spPr/>
+      <dgm:t>
+        <a:bodyPr/>
+        <a:lstStyle/>
+        <a:p>
+          <a:endParaRPr lang="en-US"/>
+        </a:p>
+      </dgm:t>
+    </dgm:pt>
+  </dgm:ptLst>
+  <dgm:cxnLst>
+    <dgm:cxn modelId="{2AA60E5D-6C53-4356-AEAE-74F98E64BDAB}" type="presOf" srcId="{8797E846-E97D-44AD-A369-A2FEBEC81221}" destId="{CA06AD72-8F3C-42EF-BA5C-2C509C9CF0DE}" srcOrd="0" destOrd="0" presId="urn:microsoft.com/office/officeart/2005/8/layout/radial3"/>
+    <dgm:cxn modelId="{E422188B-B59A-431E-AB42-7016CD2F620B}" srcId="{8797E846-E97D-44AD-A369-A2FEBEC81221}" destId="{C5496CF0-DE2A-49B6-A7E6-2AC694F59761}" srcOrd="1" destOrd="0" parTransId="{02732FD2-E46E-48FB-B953-586E124257DB}" sibTransId="{BD044BDD-1A3B-4F99-8261-887239EE93CA}"/>
+    <dgm:cxn modelId="{29D3A925-CF8B-4A0C-A52F-CC8B89A3AAA9}" type="presOf" srcId="{A1111B72-FF99-4161-BC92-6E2639B8CF75}" destId="{B82D84AB-C3D1-4C69-97E2-D62A274DFC50}" srcOrd="0" destOrd="0" presId="urn:microsoft.com/office/officeart/2005/8/layout/radial3"/>
+    <dgm:cxn modelId="{E5C85BDB-DD86-4782-83B5-BDB22BA3427C}" type="presOf" srcId="{18FA0DBD-2D8C-4E68-B16A-BC73CF19A567}" destId="{E95595E8-A1B1-4365-AFFA-C197FCB19BD7}" srcOrd="0" destOrd="0" presId="urn:microsoft.com/office/officeart/2005/8/layout/radial3"/>
+    <dgm:cxn modelId="{53A491CE-7E42-49D4-9A6C-E3C1039C9758}" srcId="{8797E846-E97D-44AD-A369-A2FEBEC81221}" destId="{CB55E2F1-B687-4BF0-8D02-5DC95F5DB6C1}" srcOrd="3" destOrd="0" parTransId="{B021C390-5E7A-4265-88AB-CB5C35B920E2}" sibTransId="{FB947983-85DB-408B-8888-A2C977BE7037}"/>
+    <dgm:cxn modelId="{BC77243A-CB97-4C23-A4FE-25E7C0DBBF2B}" type="presOf" srcId="{CB55E2F1-B687-4BF0-8D02-5DC95F5DB6C1}" destId="{E3AA6750-758C-4918-9AA3-A20AE5F1ACE7}" srcOrd="0" destOrd="0" presId="urn:microsoft.com/office/officeart/2005/8/layout/radial3"/>
+    <dgm:cxn modelId="{5D161AB1-0157-4B32-AE4D-D76BA4B6718A}" type="presOf" srcId="{ECD4F215-866D-47E7-8BDF-0E2A9EF280E1}" destId="{7C167328-B056-4444-A4E3-896A4E0661E0}" srcOrd="0" destOrd="0" presId="urn:microsoft.com/office/officeart/2005/8/layout/radial3"/>
+    <dgm:cxn modelId="{09136B9F-5BAB-4C98-BB59-7349B926B968}" srcId="{8797E846-E97D-44AD-A369-A2FEBEC81221}" destId="{18FA0DBD-2D8C-4E68-B16A-BC73CF19A567}" srcOrd="2" destOrd="0" parTransId="{D3E7C8BA-8D19-446F-832D-F7FBFFB4BA99}" sibTransId="{8C2CAD24-DB48-4894-A269-9DB21A911724}"/>
+    <dgm:cxn modelId="{3A83B59F-9929-49D1-82BB-20FA822FCCBD}" type="presOf" srcId="{C5496CF0-DE2A-49B6-A7E6-2AC694F59761}" destId="{14A9A1A4-5462-4BC1-8A58-6B3D5FAB5486}" srcOrd="0" destOrd="0" presId="urn:microsoft.com/office/officeart/2005/8/layout/radial3"/>
+    <dgm:cxn modelId="{58E402BB-D203-4B93-B860-C071EACB0D4D}" srcId="{8797E846-E97D-44AD-A369-A2FEBEC81221}" destId="{A1111B72-FF99-4161-BC92-6E2639B8CF75}" srcOrd="0" destOrd="0" parTransId="{6FACA48B-9554-4977-A798-765F683E3E04}" sibTransId="{E3BFDAB6-25EE-4C88-806E-CF25A37E8275}"/>
+    <dgm:cxn modelId="{F3B28D98-4DC2-469F-A646-7E1D2CE61A2A}" srcId="{ECD4F215-866D-47E7-8BDF-0E2A9EF280E1}" destId="{8797E846-E97D-44AD-A369-A2FEBEC81221}" srcOrd="0" destOrd="0" parTransId="{041A4BCE-AA3A-4D11-9665-7AF71D187B2D}" sibTransId="{77E0353E-5E9B-415D-8153-DF9182557524}"/>
+    <dgm:cxn modelId="{BE87A8B9-45C4-459D-8642-B34F6A9DC4FB}" type="presParOf" srcId="{7C167328-B056-4444-A4E3-896A4E0661E0}" destId="{98CF390D-FA1F-4B4F-ADF5-2EC535CE7327}" srcOrd="0" destOrd="0" presId="urn:microsoft.com/office/officeart/2005/8/layout/radial3"/>
+    <dgm:cxn modelId="{0F2D977C-F6A5-46BC-8A43-C65A65C7BE36}" type="presParOf" srcId="{98CF390D-FA1F-4B4F-ADF5-2EC535CE7327}" destId="{CA06AD72-8F3C-42EF-BA5C-2C509C9CF0DE}" srcOrd="0" destOrd="0" presId="urn:microsoft.com/office/officeart/2005/8/layout/radial3"/>
+    <dgm:cxn modelId="{27E37D80-6A73-4B5C-AC66-493766259911}" type="presParOf" srcId="{98CF390D-FA1F-4B4F-ADF5-2EC535CE7327}" destId="{B82D84AB-C3D1-4C69-97E2-D62A274DFC50}" srcOrd="1" destOrd="0" presId="urn:microsoft.com/office/officeart/2005/8/layout/radial3"/>
+    <dgm:cxn modelId="{A690361F-F1E1-435C-9892-BE89F36180E1}" type="presParOf" srcId="{98CF390D-FA1F-4B4F-ADF5-2EC535CE7327}" destId="{14A9A1A4-5462-4BC1-8A58-6B3D5FAB5486}" srcOrd="2" destOrd="0" presId="urn:microsoft.com/office/officeart/2005/8/layout/radial3"/>
+    <dgm:cxn modelId="{58AC28E4-B2EC-40DE-BA0A-0F87F0B69CD3}" type="presParOf" srcId="{98CF390D-FA1F-4B4F-ADF5-2EC535CE7327}" destId="{E95595E8-A1B1-4365-AFFA-C197FCB19BD7}" srcOrd="3" destOrd="0" presId="urn:microsoft.com/office/officeart/2005/8/layout/radial3"/>
+    <dgm:cxn modelId="{B5BAF25A-CCCA-4D29-B43A-45B73944EA73}" type="presParOf" srcId="{98CF390D-FA1F-4B4F-ADF5-2EC535CE7327}" destId="{E3AA6750-758C-4918-9AA3-A20AE5F1ACE7}" srcOrd="4" destOrd="0" presId="urn:microsoft.com/office/officeart/2005/8/layout/radial3"/>
   </dgm:cxnLst>
   <dgm:bg/>
   <dgm:whole/>
@@ -1910,6 +3066,530 @@
 </dsp:drawing>
 </file>
 
+<file path=ppt/diagrams/drawing2.xml><?xml version="1.0" encoding="utf-8"?>
+<dsp:drawing xmlns:dgm="http://schemas.openxmlformats.org/drawingml/2006/diagram" xmlns:dsp="http://schemas.microsoft.com/office/drawing/2008/diagram" xmlns:a="http://schemas.openxmlformats.org/drawingml/2006/main">
+  <dsp:spTree>
+    <dsp:nvGrpSpPr>
+      <dsp:cNvPr id="0" name=""/>
+      <dsp:cNvGrpSpPr/>
+    </dsp:nvGrpSpPr>
+    <dsp:grpSpPr/>
+    <dsp:sp modelId="{CA06AD72-8F3C-42EF-BA5C-2C509C9CF0DE}">
+      <dsp:nvSpPr>
+        <dsp:cNvPr id="0" name=""/>
+        <dsp:cNvSpPr/>
+      </dsp:nvSpPr>
+      <dsp:spPr>
+        <a:xfrm>
+          <a:off x="2824012" y="1472817"/>
+          <a:ext cx="2479975" cy="2473032"/>
+        </a:xfrm>
+        <a:prstGeom prst="ellipse">
+          <a:avLst/>
+        </a:prstGeom>
+        <a:solidFill>
+          <a:schemeClr val="accent1">
+            <a:alpha val="50000"/>
+            <a:hueOff val="0"/>
+            <a:satOff val="0"/>
+            <a:lumOff val="0"/>
+            <a:alphaOff val="0"/>
+          </a:schemeClr>
+        </a:solidFill>
+        <a:ln w="12700" cap="flat" cmpd="sng" algn="ctr">
+          <a:solidFill>
+            <a:schemeClr val="lt1">
+              <a:hueOff val="0"/>
+              <a:satOff val="0"/>
+              <a:lumOff val="0"/>
+              <a:alphaOff val="0"/>
+            </a:schemeClr>
+          </a:solidFill>
+          <a:prstDash val="solid"/>
+          <a:miter lim="800000"/>
+        </a:ln>
+        <a:effectLst/>
+      </dsp:spPr>
+      <dsp:style>
+        <a:lnRef idx="2">
+          <a:scrgbClr r="0" g="0" b="0"/>
+        </a:lnRef>
+        <a:fillRef idx="1">
+          <a:scrgbClr r="0" g="0" b="0"/>
+        </a:fillRef>
+        <a:effectRef idx="0">
+          <a:scrgbClr r="0" g="0" b="0"/>
+        </a:effectRef>
+        <a:fontRef idx="minor">
+          <a:schemeClr val="tx1"/>
+        </a:fontRef>
+      </dsp:style>
+      <dsp:txBody>
+        <a:bodyPr spcFirstLastPara="0" vert="horz" wrap="square" lIns="30480" tIns="30480" rIns="30480" bIns="30480" numCol="1" spcCol="1270" anchor="ctr" anchorCtr="0">
+          <a:noAutofit/>
+        </a:bodyPr>
+        <a:lstStyle/>
+        <a:p>
+          <a:pPr lvl="0" algn="ctr" defTabSz="1066800">
+            <a:lnSpc>
+              <a:spcPct val="90000"/>
+            </a:lnSpc>
+            <a:spcBef>
+              <a:spcPct val="0"/>
+            </a:spcBef>
+            <a:spcAft>
+              <a:spcPct val="35000"/>
+            </a:spcAft>
+          </a:pPr>
+          <a:r>
+            <a:rPr lang="en-US" sz="2400" kern="1200" dirty="0" smtClean="0"/>
+            <a:t>Network Simulation </a:t>
+          </a:r>
+        </a:p>
+        <a:p>
+          <a:pPr lvl="0" algn="ctr" defTabSz="1066800">
+            <a:lnSpc>
+              <a:spcPct val="100000"/>
+            </a:lnSpc>
+            <a:spcBef>
+              <a:spcPct val="0"/>
+            </a:spcBef>
+            <a:spcAft>
+              <a:spcPts val="0"/>
+            </a:spcAft>
+          </a:pPr>
+          <a:r>
+            <a:rPr lang="en-US" sz="1600" kern="1200" dirty="0" smtClean="0"/>
+            <a:t>Broadcast</a:t>
+          </a:r>
+        </a:p>
+        <a:p>
+          <a:pPr lvl="0" algn="ctr" defTabSz="1066800">
+            <a:lnSpc>
+              <a:spcPct val="100000"/>
+            </a:lnSpc>
+            <a:spcBef>
+              <a:spcPct val="0"/>
+            </a:spcBef>
+            <a:spcAft>
+              <a:spcPts val="0"/>
+            </a:spcAft>
+          </a:pPr>
+          <a:r>
+            <a:rPr lang="en-US" sz="1600" kern="1200" dirty="0" smtClean="0"/>
+            <a:t>Unicast</a:t>
+          </a:r>
+        </a:p>
+        <a:p>
+          <a:pPr lvl="0" algn="ctr" defTabSz="1066800">
+            <a:lnSpc>
+              <a:spcPct val="100000"/>
+            </a:lnSpc>
+            <a:spcBef>
+              <a:spcPct val="0"/>
+            </a:spcBef>
+            <a:spcAft>
+              <a:spcPts val="0"/>
+            </a:spcAft>
+          </a:pPr>
+          <a:r>
+            <a:rPr lang="en-US" sz="1600" kern="1200" dirty="0" smtClean="0"/>
+            <a:t>Neighbors</a:t>
+          </a:r>
+        </a:p>
+      </dsp:txBody>
+      <dsp:txXfrm>
+        <a:off x="3187196" y="1834984"/>
+        <a:ext cx="1753607" cy="1748698"/>
+      </dsp:txXfrm>
+    </dsp:sp>
+    <dsp:sp modelId="{B82D84AB-C3D1-4C69-97E2-D62A274DFC50}">
+      <dsp:nvSpPr>
+        <dsp:cNvPr id="0" name=""/>
+        <dsp:cNvSpPr/>
+      </dsp:nvSpPr>
+      <dsp:spPr>
+        <a:xfrm>
+          <a:off x="2969065" y="-342981"/>
+          <a:ext cx="2189868" cy="2189868"/>
+        </a:xfrm>
+        <a:prstGeom prst="ellipse">
+          <a:avLst/>
+        </a:prstGeom>
+        <a:solidFill>
+          <a:schemeClr val="accent1">
+            <a:alpha val="50000"/>
+            <a:hueOff val="0"/>
+            <a:satOff val="0"/>
+            <a:lumOff val="0"/>
+            <a:alphaOff val="0"/>
+          </a:schemeClr>
+        </a:solidFill>
+        <a:ln w="12700" cap="flat" cmpd="sng" algn="ctr">
+          <a:solidFill>
+            <a:schemeClr val="lt1">
+              <a:hueOff val="0"/>
+              <a:satOff val="0"/>
+              <a:lumOff val="0"/>
+              <a:alphaOff val="0"/>
+            </a:schemeClr>
+          </a:solidFill>
+          <a:prstDash val="solid"/>
+          <a:miter lim="800000"/>
+        </a:ln>
+        <a:effectLst/>
+      </dsp:spPr>
+      <dsp:style>
+        <a:lnRef idx="2">
+          <a:scrgbClr r="0" g="0" b="0"/>
+        </a:lnRef>
+        <a:fillRef idx="1">
+          <a:scrgbClr r="0" g="0" b="0"/>
+        </a:fillRef>
+        <a:effectRef idx="0">
+          <a:scrgbClr r="0" g="0" b="0"/>
+        </a:effectRef>
+        <a:fontRef idx="minor">
+          <a:schemeClr val="tx1"/>
+        </a:fontRef>
+      </dsp:style>
+      <dsp:txBody>
+        <a:bodyPr spcFirstLastPara="0" vert="horz" wrap="square" lIns="35560" tIns="35560" rIns="35560" bIns="35560" numCol="1" spcCol="1270" anchor="ctr" anchorCtr="0">
+          <a:noAutofit/>
+        </a:bodyPr>
+        <a:lstStyle/>
+        <a:p>
+          <a:pPr lvl="0" algn="ctr" defTabSz="1244600">
+            <a:lnSpc>
+              <a:spcPct val="90000"/>
+            </a:lnSpc>
+            <a:spcBef>
+              <a:spcPct val="0"/>
+            </a:spcBef>
+            <a:spcAft>
+              <a:spcPct val="35000"/>
+            </a:spcAft>
+          </a:pPr>
+          <a:r>
+            <a:rPr lang="en-US" sz="2800" kern="1200" dirty="0" smtClean="0"/>
+            <a:t>Simulated</a:t>
+          </a:r>
+        </a:p>
+        <a:p>
+          <a:pPr lvl="0" algn="ctr" defTabSz="1244600">
+            <a:lnSpc>
+              <a:spcPct val="90000"/>
+            </a:lnSpc>
+            <a:spcBef>
+              <a:spcPct val="0"/>
+            </a:spcBef>
+            <a:spcAft>
+              <a:spcPct val="35000"/>
+            </a:spcAft>
+          </a:pPr>
+          <a:r>
+            <a:rPr lang="en-US" sz="2800" kern="1200" dirty="0" smtClean="0"/>
+            <a:t>Client</a:t>
+          </a:r>
+        </a:p>
+      </dsp:txBody>
+      <dsp:txXfrm>
+        <a:off x="3289764" y="-22282"/>
+        <a:ext cx="1548470" cy="1548470"/>
+      </dsp:txXfrm>
+    </dsp:sp>
+    <dsp:sp modelId="{14A9A1A4-5462-4BC1-8A58-6B3D5FAB5486}">
+      <dsp:nvSpPr>
+        <dsp:cNvPr id="0" name=""/>
+        <dsp:cNvSpPr/>
+      </dsp:nvSpPr>
+      <dsp:spPr>
+        <a:xfrm>
+          <a:off x="4926445" y="1614399"/>
+          <a:ext cx="2189868" cy="2189868"/>
+        </a:xfrm>
+        <a:prstGeom prst="ellipse">
+          <a:avLst/>
+        </a:prstGeom>
+        <a:solidFill>
+          <a:schemeClr val="accent1">
+            <a:alpha val="50000"/>
+            <a:hueOff val="0"/>
+            <a:satOff val="0"/>
+            <a:lumOff val="0"/>
+            <a:alphaOff val="0"/>
+          </a:schemeClr>
+        </a:solidFill>
+        <a:ln w="12700" cap="flat" cmpd="sng" algn="ctr">
+          <a:solidFill>
+            <a:schemeClr val="lt1">
+              <a:hueOff val="0"/>
+              <a:satOff val="0"/>
+              <a:lumOff val="0"/>
+              <a:alphaOff val="0"/>
+            </a:schemeClr>
+          </a:solidFill>
+          <a:prstDash val="solid"/>
+          <a:miter lim="800000"/>
+        </a:ln>
+        <a:effectLst/>
+      </dsp:spPr>
+      <dsp:style>
+        <a:lnRef idx="2">
+          <a:scrgbClr r="0" g="0" b="0"/>
+        </a:lnRef>
+        <a:fillRef idx="1">
+          <a:scrgbClr r="0" g="0" b="0"/>
+        </a:fillRef>
+        <a:effectRef idx="0">
+          <a:scrgbClr r="0" g="0" b="0"/>
+        </a:effectRef>
+        <a:fontRef idx="minor">
+          <a:schemeClr val="tx1"/>
+        </a:fontRef>
+      </dsp:style>
+      <dsp:txBody>
+        <a:bodyPr spcFirstLastPara="0" vert="horz" wrap="square" lIns="35560" tIns="35560" rIns="35560" bIns="35560" numCol="1" spcCol="1270" anchor="ctr" anchorCtr="0">
+          <a:noAutofit/>
+        </a:bodyPr>
+        <a:lstStyle/>
+        <a:p>
+          <a:pPr lvl="0" algn="ctr" defTabSz="1244600">
+            <a:lnSpc>
+              <a:spcPct val="90000"/>
+            </a:lnSpc>
+            <a:spcBef>
+              <a:spcPct val="0"/>
+            </a:spcBef>
+            <a:spcAft>
+              <a:spcPct val="35000"/>
+            </a:spcAft>
+          </a:pPr>
+          <a:r>
+            <a:rPr lang="en-US" sz="2800" kern="1200" dirty="0" smtClean="0"/>
+            <a:t>Simulated</a:t>
+          </a:r>
+        </a:p>
+        <a:p>
+          <a:pPr lvl="0" algn="ctr" defTabSz="1244600">
+            <a:lnSpc>
+              <a:spcPct val="90000"/>
+            </a:lnSpc>
+            <a:spcBef>
+              <a:spcPct val="0"/>
+            </a:spcBef>
+            <a:spcAft>
+              <a:spcPct val="35000"/>
+            </a:spcAft>
+          </a:pPr>
+          <a:r>
+            <a:rPr lang="en-US" sz="2800" kern="1200" dirty="0" smtClean="0"/>
+            <a:t>Client</a:t>
+          </a:r>
+          <a:endParaRPr lang="en-US" sz="2800" kern="1200" dirty="0"/>
+        </a:p>
+      </dsp:txBody>
+      <dsp:txXfrm>
+        <a:off x="5247144" y="1935098"/>
+        <a:ext cx="1548470" cy="1548470"/>
+      </dsp:txXfrm>
+    </dsp:sp>
+    <dsp:sp modelId="{E95595E8-A1B1-4365-AFFA-C197FCB19BD7}">
+      <dsp:nvSpPr>
+        <dsp:cNvPr id="0" name=""/>
+        <dsp:cNvSpPr/>
+      </dsp:nvSpPr>
+      <dsp:spPr>
+        <a:xfrm>
+          <a:off x="2969065" y="3571779"/>
+          <a:ext cx="2189868" cy="2189868"/>
+        </a:xfrm>
+        <a:prstGeom prst="ellipse">
+          <a:avLst/>
+        </a:prstGeom>
+        <a:solidFill>
+          <a:schemeClr val="accent1">
+            <a:alpha val="50000"/>
+            <a:hueOff val="0"/>
+            <a:satOff val="0"/>
+            <a:lumOff val="0"/>
+            <a:alphaOff val="0"/>
+          </a:schemeClr>
+        </a:solidFill>
+        <a:ln w="12700" cap="flat" cmpd="sng" algn="ctr">
+          <a:solidFill>
+            <a:schemeClr val="lt1">
+              <a:hueOff val="0"/>
+              <a:satOff val="0"/>
+              <a:lumOff val="0"/>
+              <a:alphaOff val="0"/>
+            </a:schemeClr>
+          </a:solidFill>
+          <a:prstDash val="solid"/>
+          <a:miter lim="800000"/>
+        </a:ln>
+        <a:effectLst/>
+      </dsp:spPr>
+      <dsp:style>
+        <a:lnRef idx="2">
+          <a:scrgbClr r="0" g="0" b="0"/>
+        </a:lnRef>
+        <a:fillRef idx="1">
+          <a:scrgbClr r="0" g="0" b="0"/>
+        </a:fillRef>
+        <a:effectRef idx="0">
+          <a:scrgbClr r="0" g="0" b="0"/>
+        </a:effectRef>
+        <a:fontRef idx="minor">
+          <a:schemeClr val="tx1"/>
+        </a:fontRef>
+      </dsp:style>
+      <dsp:txBody>
+        <a:bodyPr spcFirstLastPara="0" vert="horz" wrap="square" lIns="35560" tIns="35560" rIns="35560" bIns="35560" numCol="1" spcCol="1270" anchor="ctr" anchorCtr="0">
+          <a:noAutofit/>
+        </a:bodyPr>
+        <a:lstStyle/>
+        <a:p>
+          <a:pPr lvl="0" algn="ctr" defTabSz="1244600">
+            <a:lnSpc>
+              <a:spcPct val="90000"/>
+            </a:lnSpc>
+            <a:spcBef>
+              <a:spcPct val="0"/>
+            </a:spcBef>
+            <a:spcAft>
+              <a:spcPct val="35000"/>
+            </a:spcAft>
+          </a:pPr>
+          <a:r>
+            <a:rPr lang="en-US" sz="2800" kern="1200" dirty="0" smtClean="0"/>
+            <a:t>Simulated</a:t>
+          </a:r>
+        </a:p>
+        <a:p>
+          <a:pPr lvl="0" algn="ctr" defTabSz="1244600">
+            <a:lnSpc>
+              <a:spcPct val="90000"/>
+            </a:lnSpc>
+            <a:spcBef>
+              <a:spcPct val="0"/>
+            </a:spcBef>
+            <a:spcAft>
+              <a:spcPct val="35000"/>
+            </a:spcAft>
+          </a:pPr>
+          <a:r>
+            <a:rPr lang="en-US" sz="2800" kern="1200" dirty="0" smtClean="0"/>
+            <a:t>Client</a:t>
+          </a:r>
+          <a:endParaRPr lang="en-US" sz="2800" kern="1200" dirty="0"/>
+        </a:p>
+      </dsp:txBody>
+      <dsp:txXfrm>
+        <a:off x="3289764" y="3892478"/>
+        <a:ext cx="1548470" cy="1548470"/>
+      </dsp:txXfrm>
+    </dsp:sp>
+    <dsp:sp modelId="{E3AA6750-758C-4918-9AA3-A20AE5F1ACE7}">
+      <dsp:nvSpPr>
+        <dsp:cNvPr id="0" name=""/>
+        <dsp:cNvSpPr/>
+      </dsp:nvSpPr>
+      <dsp:spPr>
+        <a:xfrm>
+          <a:off x="1011685" y="1614399"/>
+          <a:ext cx="2189868" cy="2189868"/>
+        </a:xfrm>
+        <a:prstGeom prst="ellipse">
+          <a:avLst/>
+        </a:prstGeom>
+        <a:solidFill>
+          <a:schemeClr val="accent1">
+            <a:alpha val="50000"/>
+            <a:hueOff val="0"/>
+            <a:satOff val="0"/>
+            <a:lumOff val="0"/>
+            <a:alphaOff val="0"/>
+          </a:schemeClr>
+        </a:solidFill>
+        <a:ln w="12700" cap="flat" cmpd="sng" algn="ctr">
+          <a:solidFill>
+            <a:schemeClr val="lt1">
+              <a:hueOff val="0"/>
+              <a:satOff val="0"/>
+              <a:lumOff val="0"/>
+              <a:alphaOff val="0"/>
+            </a:schemeClr>
+          </a:solidFill>
+          <a:prstDash val="solid"/>
+          <a:miter lim="800000"/>
+        </a:ln>
+        <a:effectLst/>
+      </dsp:spPr>
+      <dsp:style>
+        <a:lnRef idx="2">
+          <a:scrgbClr r="0" g="0" b="0"/>
+        </a:lnRef>
+        <a:fillRef idx="1">
+          <a:scrgbClr r="0" g="0" b="0"/>
+        </a:fillRef>
+        <a:effectRef idx="0">
+          <a:scrgbClr r="0" g="0" b="0"/>
+        </a:effectRef>
+        <a:fontRef idx="minor">
+          <a:schemeClr val="tx1"/>
+        </a:fontRef>
+      </dsp:style>
+      <dsp:txBody>
+        <a:bodyPr spcFirstLastPara="0" vert="horz" wrap="square" lIns="35560" tIns="35560" rIns="35560" bIns="35560" numCol="1" spcCol="1270" anchor="ctr" anchorCtr="0">
+          <a:noAutofit/>
+        </a:bodyPr>
+        <a:lstStyle/>
+        <a:p>
+          <a:pPr lvl="0" algn="ctr" defTabSz="1244600">
+            <a:lnSpc>
+              <a:spcPct val="90000"/>
+            </a:lnSpc>
+            <a:spcBef>
+              <a:spcPct val="0"/>
+            </a:spcBef>
+            <a:spcAft>
+              <a:spcPct val="35000"/>
+            </a:spcAft>
+          </a:pPr>
+          <a:r>
+            <a:rPr lang="en-US" sz="2800" kern="1200" dirty="0" smtClean="0"/>
+            <a:t>Simulated</a:t>
+          </a:r>
+        </a:p>
+        <a:p>
+          <a:pPr lvl="0" algn="ctr" defTabSz="1244600">
+            <a:lnSpc>
+              <a:spcPct val="90000"/>
+            </a:lnSpc>
+            <a:spcBef>
+              <a:spcPct val="0"/>
+            </a:spcBef>
+            <a:spcAft>
+              <a:spcPct val="35000"/>
+            </a:spcAft>
+          </a:pPr>
+          <a:r>
+            <a:rPr lang="en-US" sz="2800" kern="1200" dirty="0" smtClean="0"/>
+            <a:t>Client</a:t>
+          </a:r>
+          <a:endParaRPr lang="en-US" sz="2800" kern="1200" dirty="0"/>
+        </a:p>
+      </dsp:txBody>
+      <dsp:txXfrm>
+        <a:off x="1332384" y="1935098"/>
+        <a:ext cx="1548470" cy="1548470"/>
+      </dsp:txXfrm>
+    </dsp:sp>
+  </dsp:spTree>
+</dsp:drawing>
+</file>
+
 <file path=ppt/diagrams/layout1.xml><?xml version="1.0" encoding="utf-8"?>
 <dgm:layoutDef xmlns:dgm="http://schemas.openxmlformats.org/drawingml/2006/diagram" xmlns:a="http://schemas.openxmlformats.org/drawingml/2006/main" uniqueId="urn:microsoft.com/office/officeart/2005/8/layout/process4">
   <dgm:title val=""/>
@@ -2263,7 +3943,1232 @@
 </dgm:layoutDef>
 </file>
 
+<file path=ppt/diagrams/layout2.xml><?xml version="1.0" encoding="utf-8"?>
+<dgm:layoutDef xmlns:dgm="http://schemas.openxmlformats.org/drawingml/2006/diagram" xmlns:a="http://schemas.openxmlformats.org/drawingml/2006/main" uniqueId="urn:microsoft.com/office/officeart/2005/8/layout/radial3">
+  <dgm:title val=""/>
+  <dgm:desc val=""/>
+  <dgm:catLst>
+    <dgm:cat type="relationship" pri="31000"/>
+    <dgm:cat type="cycle" pri="12000"/>
+  </dgm:catLst>
+  <dgm:sampData>
+    <dgm:dataModel>
+      <dgm:ptLst>
+        <dgm:pt modelId="0" type="doc"/>
+        <dgm:pt modelId="1">
+          <dgm:prSet phldr="1"/>
+        </dgm:pt>
+        <dgm:pt modelId="11">
+          <dgm:prSet phldr="1"/>
+        </dgm:pt>
+        <dgm:pt modelId="12">
+          <dgm:prSet phldr="1"/>
+        </dgm:pt>
+        <dgm:pt modelId="13">
+          <dgm:prSet phldr="1"/>
+        </dgm:pt>
+        <dgm:pt modelId="14">
+          <dgm:prSet phldr="1"/>
+        </dgm:pt>
+      </dgm:ptLst>
+      <dgm:cxnLst>
+        <dgm:cxn modelId="2" srcId="0" destId="1" srcOrd="0" destOrd="0"/>
+        <dgm:cxn modelId="3" srcId="1" destId="11" srcOrd="0" destOrd="0"/>
+        <dgm:cxn modelId="4" srcId="1" destId="12" srcOrd="1" destOrd="0"/>
+        <dgm:cxn modelId="5" srcId="1" destId="13" srcOrd="2" destOrd="0"/>
+        <dgm:cxn modelId="6" srcId="1" destId="14" srcOrd="3" destOrd="0"/>
+      </dgm:cxnLst>
+      <dgm:bg/>
+      <dgm:whole/>
+    </dgm:dataModel>
+  </dgm:sampData>
+  <dgm:styleData>
+    <dgm:dataModel>
+      <dgm:ptLst>
+        <dgm:pt modelId="0" type="doc"/>
+        <dgm:pt modelId="1"/>
+        <dgm:pt modelId="11"/>
+        <dgm:pt modelId="12"/>
+        <dgm:pt modelId="13"/>
+      </dgm:ptLst>
+      <dgm:cxnLst>
+        <dgm:cxn modelId="2" srcId="0" destId="1" srcOrd="0" destOrd="0"/>
+        <dgm:cxn modelId="15" srcId="1" destId="11" srcOrd="0" destOrd="0"/>
+        <dgm:cxn modelId="16" srcId="1" destId="12" srcOrd="1" destOrd="0"/>
+        <dgm:cxn modelId="17" srcId="1" destId="13" srcOrd="2" destOrd="0"/>
+      </dgm:cxnLst>
+      <dgm:bg/>
+      <dgm:whole/>
+    </dgm:dataModel>
+  </dgm:styleData>
+  <dgm:clrData>
+    <dgm:dataModel>
+      <dgm:ptLst>
+        <dgm:pt modelId="0" type="doc"/>
+        <dgm:pt modelId="1"/>
+        <dgm:pt modelId="11"/>
+        <dgm:pt modelId="12"/>
+        <dgm:pt modelId="13"/>
+        <dgm:pt modelId="14"/>
+        <dgm:pt modelId="15"/>
+        <dgm:pt modelId="16"/>
+      </dgm:ptLst>
+      <dgm:cxnLst>
+        <dgm:cxn modelId="2" srcId="0" destId="1" srcOrd="0" destOrd="0"/>
+        <dgm:cxn modelId="16" srcId="1" destId="11" srcOrd="0" destOrd="0"/>
+        <dgm:cxn modelId="17" srcId="1" destId="12" srcOrd="1" destOrd="0"/>
+        <dgm:cxn modelId="18" srcId="1" destId="13" srcOrd="2" destOrd="0"/>
+        <dgm:cxn modelId="19" srcId="1" destId="14" srcOrd="3" destOrd="0"/>
+        <dgm:cxn modelId="20" srcId="1" destId="15" srcOrd="4" destOrd="0"/>
+        <dgm:cxn modelId="21" srcId="1" destId="16" srcOrd="5" destOrd="0"/>
+      </dgm:cxnLst>
+      <dgm:bg/>
+      <dgm:whole/>
+    </dgm:dataModel>
+  </dgm:clrData>
+  <dgm:layoutNode name="composite">
+    <dgm:varLst>
+      <dgm:chMax val="1"/>
+      <dgm:dir/>
+      <dgm:resizeHandles val="exact"/>
+    </dgm:varLst>
+    <dgm:alg type="composite">
+      <dgm:param type="ar" val="1"/>
+    </dgm:alg>
+    <dgm:shape xmlns:r="http://schemas.openxmlformats.org/officeDocument/2006/relationships" r:blip="">
+      <dgm:adjLst/>
+    </dgm:shape>
+    <dgm:presOf/>
+    <dgm:constrLst/>
+    <dgm:ruleLst/>
+    <dgm:layoutNode name="radial">
+      <dgm:varLst>
+        <dgm:animLvl val="ctr"/>
+      </dgm:varLst>
+      <dgm:choose name="Name0">
+        <dgm:if name="Name1" func="var" arg="dir" op="equ" val="norm">
+          <dgm:choose name="Name2">
+            <dgm:if name="Name3" axis="ch ch" ptType="node node" st="1 1" cnt="1 0" func="cnt" op="lte" val="1">
+              <dgm:alg type="cycle">
+                <dgm:param type="stAng" val="90"/>
+                <dgm:param type="spanAng" val="360"/>
+                <dgm:param type="ctrShpMap" val="fNode"/>
+              </dgm:alg>
+            </dgm:if>
+            <dgm:else name="Name4">
+              <dgm:alg type="cycle">
+                <dgm:param type="stAng" val="0"/>
+                <dgm:param type="spanAng" val="360"/>
+                <dgm:param type="ctrShpMap" val="fNode"/>
+              </dgm:alg>
+            </dgm:else>
+          </dgm:choose>
+        </dgm:if>
+        <dgm:else name="Name5">
+          <dgm:alg type="cycle">
+            <dgm:param type="stAng" val="0"/>
+            <dgm:param type="spanAng" val="-360"/>
+            <dgm:param type="ctrShpMap" val="fNode"/>
+          </dgm:alg>
+        </dgm:else>
+      </dgm:choose>
+      <dgm:shape xmlns:r="http://schemas.openxmlformats.org/officeDocument/2006/relationships" r:blip="">
+        <dgm:adjLst/>
+      </dgm:shape>
+      <dgm:presOf/>
+      <dgm:constrLst>
+        <dgm:constr type="w" for="ch" forName="centerShape" refType="w"/>
+        <dgm:constr type="h" for="ch" forName="centerShape" refType="h"/>
+        <dgm:constr type="w" for="ch" forName="node" refType="w" fact="0.5"/>
+        <dgm:constr type="h" for="ch" forName="node" refType="h" fact="0.5"/>
+        <dgm:constr type="sp" refType="w" refFor="ch" refForName="node" fact="-0.2"/>
+        <dgm:constr type="sibSp" refType="w" refFor="ch" refForName="node" fact="-0.2"/>
+        <dgm:constr type="primFontSz" for="ch" forName="centerShape" val="65"/>
+        <dgm:constr type="primFontSz" for="des" forName="node" val="65"/>
+        <dgm:constr type="primFontSz" for="ch" forName="node" refType="primFontSz" refFor="ch" refForName="centerShape" op="lte"/>
+      </dgm:constrLst>
+      <dgm:ruleLst/>
+      <dgm:forEach name="Name6" axis="ch" ptType="node" cnt="1">
+        <dgm:layoutNode name="centerShape" styleLbl="vennNode1">
+          <dgm:alg type="tx"/>
+          <dgm:shape xmlns:r="http://schemas.openxmlformats.org/officeDocument/2006/relationships" type="ellipse" r:blip="">
+            <dgm:adjLst/>
+          </dgm:shape>
+          <dgm:presOf axis="self"/>
+          <dgm:constrLst>
+            <dgm:constr type="tMarg" refType="primFontSz" fact="0.1"/>
+            <dgm:constr type="bMarg" refType="primFontSz" fact="0.1"/>
+            <dgm:constr type="lMarg" refType="primFontSz" fact="0.1"/>
+            <dgm:constr type="rMarg" refType="primFontSz" fact="0.1"/>
+          </dgm:constrLst>
+          <dgm:ruleLst>
+            <dgm:rule type="primFontSz" val="5" fact="NaN" max="NaN"/>
+          </dgm:ruleLst>
+        </dgm:layoutNode>
+        <dgm:forEach name="Name7" axis="ch" ptType="node">
+          <dgm:layoutNode name="node" styleLbl="vennNode1">
+            <dgm:varLst>
+              <dgm:bulletEnabled val="1"/>
+            </dgm:varLst>
+            <dgm:alg type="tx">
+              <dgm:param type="txAnchorVertCh" val="mid"/>
+            </dgm:alg>
+            <dgm:shape xmlns:r="http://schemas.openxmlformats.org/officeDocument/2006/relationships" type="ellipse" r:blip="">
+              <dgm:adjLst/>
+            </dgm:shape>
+            <dgm:presOf axis="desOrSelf" ptType="node"/>
+            <dgm:constrLst>
+              <dgm:constr type="tMarg" refType="primFontSz" fact="0.1"/>
+              <dgm:constr type="bMarg" refType="primFontSz" fact="0.1"/>
+              <dgm:constr type="lMarg" refType="primFontSz" fact="0.1"/>
+              <dgm:constr type="rMarg" refType="primFontSz" fact="0.1"/>
+            </dgm:constrLst>
+            <dgm:ruleLst>
+              <dgm:rule type="primFontSz" val="5" fact="NaN" max="NaN"/>
+            </dgm:ruleLst>
+          </dgm:layoutNode>
+        </dgm:forEach>
+      </dgm:forEach>
+    </dgm:layoutNode>
+  </dgm:layoutNode>
+</dgm:layoutDef>
+</file>
+
 <file path=ppt/diagrams/quickStyle1.xml><?xml version="1.0" encoding="utf-8"?>
+<dgm:styleDef xmlns:dgm="http://schemas.openxmlformats.org/drawingml/2006/diagram" xmlns:a="http://schemas.openxmlformats.org/drawingml/2006/main" uniqueId="urn:microsoft.com/office/officeart/2005/8/quickstyle/simple1">
+  <dgm:title val=""/>
+  <dgm:desc val=""/>
+  <dgm:catLst>
+    <dgm:cat type="simple" pri="10100"/>
+  </dgm:catLst>
+  <dgm:scene3d>
+    <a:camera prst="orthographicFront"/>
+    <a:lightRig rig="threePt" dir="t"/>
+  </dgm:scene3d>
+  <dgm:styleLbl name="node0">
+    <dgm:scene3d>
+      <a:camera prst="orthographicFront"/>
+      <a:lightRig rig="threePt" dir="t"/>
+    </dgm:scene3d>
+    <dgm:sp3d/>
+    <dgm:txPr/>
+    <dgm:style>
+      <a:lnRef idx="2">
+        <a:scrgbClr r="0" g="0" b="0"/>
+      </a:lnRef>
+      <a:fillRef idx="1">
+        <a:scrgbClr r="0" g="0" b="0"/>
+      </a:fillRef>
+      <a:effectRef idx="0">
+        <a:scrgbClr r="0" g="0" b="0"/>
+      </a:effectRef>
+      <a:fontRef idx="minor">
+        <a:schemeClr val="lt1"/>
+      </a:fontRef>
+    </dgm:style>
+  </dgm:styleLbl>
+  <dgm:styleLbl name="lnNode1">
+    <dgm:scene3d>
+      <a:camera prst="orthographicFront"/>
+      <a:lightRig rig="threePt" dir="t"/>
+    </dgm:scene3d>
+    <dgm:sp3d/>
+    <dgm:txPr/>
+    <dgm:style>
+      <a:lnRef idx="2">
+        <a:scrgbClr r="0" g="0" b="0"/>
+      </a:lnRef>
+      <a:fillRef idx="1">
+        <a:scrgbClr r="0" g="0" b="0"/>
+      </a:fillRef>
+      <a:effectRef idx="0">
+        <a:scrgbClr r="0" g="0" b="0"/>
+      </a:effectRef>
+      <a:fontRef idx="minor">
+        <a:schemeClr val="lt1"/>
+      </a:fontRef>
+    </dgm:style>
+  </dgm:styleLbl>
+  <dgm:styleLbl name="vennNode1">
+    <dgm:scene3d>
+      <a:camera prst="orthographicFront"/>
+      <a:lightRig rig="threePt" dir="t"/>
+    </dgm:scene3d>
+    <dgm:sp3d/>
+    <dgm:txPr/>
+    <dgm:style>
+      <a:lnRef idx="2">
+        <a:scrgbClr r="0" g="0" b="0"/>
+      </a:lnRef>
+      <a:fillRef idx="1">
+        <a:scrgbClr r="0" g="0" b="0"/>
+      </a:fillRef>
+      <a:effectRef idx="0">
+        <a:scrgbClr r="0" g="0" b="0"/>
+      </a:effectRef>
+      <a:fontRef idx="minor">
+        <a:schemeClr val="tx1"/>
+      </a:fontRef>
+    </dgm:style>
+  </dgm:styleLbl>
+  <dgm:styleLbl name="alignNode1">
+    <dgm:scene3d>
+      <a:camera prst="orthographicFront"/>
+      <a:lightRig rig="threePt" dir="t"/>
+    </dgm:scene3d>
+    <dgm:sp3d/>
+    <dgm:txPr/>
+    <dgm:style>
+      <a:lnRef idx="2">
+        <a:scrgbClr r="0" g="0" b="0"/>
+      </a:lnRef>
+      <a:fillRef idx="1">
+        <a:scrgbClr r="0" g="0" b="0"/>
+      </a:fillRef>
+      <a:effectRef idx="0">
+        <a:scrgbClr r="0" g="0" b="0"/>
+      </a:effectRef>
+      <a:fontRef idx="minor">
+        <a:schemeClr val="lt1"/>
+      </a:fontRef>
+    </dgm:style>
+  </dgm:styleLbl>
+  <dgm:styleLbl name="node1">
+    <dgm:scene3d>
+      <a:camera prst="orthographicFront"/>
+      <a:lightRig rig="threePt" dir="t"/>
+    </dgm:scene3d>
+    <dgm:sp3d/>
+    <dgm:txPr/>
+    <dgm:style>
+      <a:lnRef idx="2">
+        <a:scrgbClr r="0" g="0" b="0"/>
+      </a:lnRef>
+      <a:fillRef idx="1">
+        <a:scrgbClr r="0" g="0" b="0"/>
+      </a:fillRef>
+      <a:effectRef idx="0">
+        <a:scrgbClr r="0" g="0" b="0"/>
+      </a:effectRef>
+      <a:fontRef idx="minor">
+        <a:schemeClr val="lt1"/>
+      </a:fontRef>
+    </dgm:style>
+  </dgm:styleLbl>
+  <dgm:styleLbl name="node2">
+    <dgm:scene3d>
+      <a:camera prst="orthographicFront"/>
+      <a:lightRig rig="threePt" dir="t"/>
+    </dgm:scene3d>
+    <dgm:sp3d/>
+    <dgm:txPr/>
+    <dgm:style>
+      <a:lnRef idx="2">
+        <a:scrgbClr r="0" g="0" b="0"/>
+      </a:lnRef>
+      <a:fillRef idx="1">
+        <a:scrgbClr r="0" g="0" b="0"/>
+      </a:fillRef>
+      <a:effectRef idx="0">
+        <a:scrgbClr r="0" g="0" b="0"/>
+      </a:effectRef>
+      <a:fontRef idx="minor">
+        <a:schemeClr val="lt1"/>
+      </a:fontRef>
+    </dgm:style>
+  </dgm:styleLbl>
+  <dgm:styleLbl name="node3">
+    <dgm:scene3d>
+      <a:camera prst="orthographicFront"/>
+      <a:lightRig rig="threePt" dir="t"/>
+    </dgm:scene3d>
+    <dgm:sp3d/>
+    <dgm:txPr/>
+    <dgm:style>
+      <a:lnRef idx="2">
+        <a:scrgbClr r="0" g="0" b="0"/>
+      </a:lnRef>
+      <a:fillRef idx="1">
+        <a:scrgbClr r="0" g="0" b="0"/>
+      </a:fillRef>
+      <a:effectRef idx="0">
+        <a:scrgbClr r="0" g="0" b="0"/>
+      </a:effectRef>
+      <a:fontRef idx="minor">
+        <a:schemeClr val="lt1"/>
+      </a:fontRef>
+    </dgm:style>
+  </dgm:styleLbl>
+  <dgm:styleLbl name="node4">
+    <dgm:scene3d>
+      <a:camera prst="orthographicFront"/>
+      <a:lightRig rig="threePt" dir="t"/>
+    </dgm:scene3d>
+    <dgm:sp3d/>
+    <dgm:txPr/>
+    <dgm:style>
+      <a:lnRef idx="2">
+        <a:scrgbClr r="0" g="0" b="0"/>
+      </a:lnRef>
+      <a:fillRef idx="1">
+        <a:scrgbClr r="0" g="0" b="0"/>
+      </a:fillRef>
+      <a:effectRef idx="0">
+        <a:scrgbClr r="0" g="0" b="0"/>
+      </a:effectRef>
+      <a:fontRef idx="minor">
+        <a:schemeClr val="lt1"/>
+      </a:fontRef>
+    </dgm:style>
+  </dgm:styleLbl>
+  <dgm:styleLbl name="fgImgPlace1">
+    <dgm:scene3d>
+      <a:camera prst="orthographicFront"/>
+      <a:lightRig rig="threePt" dir="t"/>
+    </dgm:scene3d>
+    <dgm:sp3d/>
+    <dgm:txPr/>
+    <dgm:style>
+      <a:lnRef idx="2">
+        <a:scrgbClr r="0" g="0" b="0"/>
+      </a:lnRef>
+      <a:fillRef idx="1">
+        <a:scrgbClr r="0" g="0" b="0"/>
+      </a:fillRef>
+      <a:effectRef idx="0">
+        <a:scrgbClr r="0" g="0" b="0"/>
+      </a:effectRef>
+      <a:fontRef idx="minor"/>
+    </dgm:style>
+  </dgm:styleLbl>
+  <dgm:styleLbl name="alignImgPlace1">
+    <dgm:scene3d>
+      <a:camera prst="orthographicFront"/>
+      <a:lightRig rig="threePt" dir="t"/>
+    </dgm:scene3d>
+    <dgm:sp3d/>
+    <dgm:txPr/>
+    <dgm:style>
+      <a:lnRef idx="2">
+        <a:scrgbClr r="0" g="0" b="0"/>
+      </a:lnRef>
+      <a:fillRef idx="1">
+        <a:scrgbClr r="0" g="0" b="0"/>
+      </a:fillRef>
+      <a:effectRef idx="0">
+        <a:scrgbClr r="0" g="0" b="0"/>
+      </a:effectRef>
+      <a:fontRef idx="minor"/>
+    </dgm:style>
+  </dgm:styleLbl>
+  <dgm:styleLbl name="bgImgPlace1">
+    <dgm:scene3d>
+      <a:camera prst="orthographicFront"/>
+      <a:lightRig rig="threePt" dir="t"/>
+    </dgm:scene3d>
+    <dgm:sp3d/>
+    <dgm:txPr/>
+    <dgm:style>
+      <a:lnRef idx="2">
+        <a:scrgbClr r="0" g="0" b="0"/>
+      </a:lnRef>
+      <a:fillRef idx="1">
+        <a:scrgbClr r="0" g="0" b="0"/>
+      </a:fillRef>
+      <a:effectRef idx="0">
+        <a:scrgbClr r="0" g="0" b="0"/>
+      </a:effectRef>
+      <a:fontRef idx="minor"/>
+    </dgm:style>
+  </dgm:styleLbl>
+  <dgm:styleLbl name="sibTrans2D1">
+    <dgm:scene3d>
+      <a:camera prst="orthographicFront"/>
+      <a:lightRig rig="threePt" dir="t"/>
+    </dgm:scene3d>
+    <dgm:sp3d/>
+    <dgm:txPr/>
+    <dgm:style>
+      <a:lnRef idx="0">
+        <a:scrgbClr r="0" g="0" b="0"/>
+      </a:lnRef>
+      <a:fillRef idx="1">
+        <a:scrgbClr r="0" g="0" b="0"/>
+      </a:fillRef>
+      <a:effectRef idx="0">
+        <a:scrgbClr r="0" g="0" b="0"/>
+      </a:effectRef>
+      <a:fontRef idx="minor">
+        <a:schemeClr val="lt1"/>
+      </a:fontRef>
+    </dgm:style>
+  </dgm:styleLbl>
+  <dgm:styleLbl name="fgSibTrans2D1">
+    <dgm:scene3d>
+      <a:camera prst="orthographicFront"/>
+      <a:lightRig rig="threePt" dir="t"/>
+    </dgm:scene3d>
+    <dgm:sp3d/>
+    <dgm:txPr/>
+    <dgm:style>
+      <a:lnRef idx="0">
+        <a:scrgbClr r="0" g="0" b="0"/>
+      </a:lnRef>
+      <a:fillRef idx="1">
+        <a:scrgbClr r="0" g="0" b="0"/>
+      </a:fillRef>
+      <a:effectRef idx="0">
+        <a:scrgbClr r="0" g="0" b="0"/>
+      </a:effectRef>
+      <a:fontRef idx="minor">
+        <a:schemeClr val="lt1"/>
+      </a:fontRef>
+    </dgm:style>
+  </dgm:styleLbl>
+  <dgm:styleLbl name="bgSibTrans2D1">
+    <dgm:scene3d>
+      <a:camera prst="orthographicFront"/>
+      <a:lightRig rig="threePt" dir="t"/>
+    </dgm:scene3d>
+    <dgm:sp3d/>
+    <dgm:txPr/>
+    <dgm:style>
+      <a:lnRef idx="0">
+        <a:scrgbClr r="0" g="0" b="0"/>
+      </a:lnRef>
+      <a:fillRef idx="1">
+        <a:scrgbClr r="0" g="0" b="0"/>
+      </a:fillRef>
+      <a:effectRef idx="0">
+        <a:scrgbClr r="0" g="0" b="0"/>
+      </a:effectRef>
+      <a:fontRef idx="minor">
+        <a:schemeClr val="lt1"/>
+      </a:fontRef>
+    </dgm:style>
+  </dgm:styleLbl>
+  <dgm:styleLbl name="sibTrans1D1">
+    <dgm:scene3d>
+      <a:camera prst="orthographicFront"/>
+      <a:lightRig rig="threePt" dir="t"/>
+    </dgm:scene3d>
+    <dgm:sp3d/>
+    <dgm:txPr/>
+    <dgm:style>
+      <a:lnRef idx="1">
+        <a:scrgbClr r="0" g="0" b="0"/>
+      </a:lnRef>
+      <a:fillRef idx="0">
+        <a:scrgbClr r="0" g="0" b="0"/>
+      </a:fillRef>
+      <a:effectRef idx="0">
+        <a:scrgbClr r="0" g="0" b="0"/>
+      </a:effectRef>
+      <a:fontRef idx="minor"/>
+    </dgm:style>
+  </dgm:styleLbl>
+  <dgm:styleLbl name="callout">
+    <dgm:scene3d>
+      <a:camera prst="orthographicFront"/>
+      <a:lightRig rig="threePt" dir="t"/>
+    </dgm:scene3d>
+    <dgm:sp3d/>
+    <dgm:txPr/>
+    <dgm:style>
+      <a:lnRef idx="2">
+        <a:scrgbClr r="0" g="0" b="0"/>
+      </a:lnRef>
+      <a:fillRef idx="1">
+        <a:scrgbClr r="0" g="0" b="0"/>
+      </a:fillRef>
+      <a:effectRef idx="0">
+        <a:scrgbClr r="0" g="0" b="0"/>
+      </a:effectRef>
+      <a:fontRef idx="minor"/>
+    </dgm:style>
+  </dgm:styleLbl>
+  <dgm:styleLbl name="asst0">
+    <dgm:scene3d>
+      <a:camera prst="orthographicFront"/>
+      <a:lightRig rig="threePt" dir="t"/>
+    </dgm:scene3d>
+    <dgm:sp3d/>
+    <dgm:txPr/>
+    <dgm:style>
+      <a:lnRef idx="2">
+        <a:scrgbClr r="0" g="0" b="0"/>
+      </a:lnRef>
+      <a:fillRef idx="1">
+        <a:scrgbClr r="0" g="0" b="0"/>
+      </a:fillRef>
+      <a:effectRef idx="0">
+        <a:scrgbClr r="0" g="0" b="0"/>
+      </a:effectRef>
+      <a:fontRef idx="minor">
+        <a:schemeClr val="lt1"/>
+      </a:fontRef>
+    </dgm:style>
+  </dgm:styleLbl>
+  <dgm:styleLbl name="asst1">
+    <dgm:scene3d>
+      <a:camera prst="orthographicFront"/>
+      <a:lightRig rig="threePt" dir="t"/>
+    </dgm:scene3d>
+    <dgm:sp3d/>
+    <dgm:txPr/>
+    <dgm:style>
+      <a:lnRef idx="2">
+        <a:scrgbClr r="0" g="0" b="0"/>
+      </a:lnRef>
+      <a:fillRef idx="1">
+        <a:scrgbClr r="0" g="0" b="0"/>
+      </a:fillRef>
+      <a:effectRef idx="0">
+        <a:scrgbClr r="0" g="0" b="0"/>
+      </a:effectRef>
+      <a:fontRef idx="minor">
+        <a:schemeClr val="lt1"/>
+      </a:fontRef>
+    </dgm:style>
+  </dgm:styleLbl>
+  <dgm:styleLbl name="asst2">
+    <dgm:scene3d>
+      <a:camera prst="orthographicFront"/>
+      <a:lightRig rig="threePt" dir="t"/>
+    </dgm:scene3d>
+    <dgm:sp3d/>
+    <dgm:txPr/>
+    <dgm:style>
+      <a:lnRef idx="2">
+        <a:scrgbClr r="0" g="0" b="0"/>
+      </a:lnRef>
+      <a:fillRef idx="1">
+        <a:scrgbClr r="0" g="0" b="0"/>
+      </a:fillRef>
+      <a:effectRef idx="0">
+        <a:scrgbClr r="0" g="0" b="0"/>
+      </a:effectRef>
+      <a:fontRef idx="minor">
+        <a:schemeClr val="lt1"/>
+      </a:fontRef>
+    </dgm:style>
+  </dgm:styleLbl>
+  <dgm:styleLbl name="asst3">
+    <dgm:scene3d>
+      <a:camera prst="orthographicFront"/>
+      <a:lightRig rig="threePt" dir="t"/>
+    </dgm:scene3d>
+    <dgm:sp3d/>
+    <dgm:txPr/>
+    <dgm:style>
+      <a:lnRef idx="2">
+        <a:scrgbClr r="0" g="0" b="0"/>
+      </a:lnRef>
+      <a:fillRef idx="1">
+        <a:scrgbClr r="0" g="0" b="0"/>
+      </a:fillRef>
+      <a:effectRef idx="0">
+        <a:scrgbClr r="0" g="0" b="0"/>
+      </a:effectRef>
+      <a:fontRef idx="minor">
+        <a:schemeClr val="lt1"/>
+      </a:fontRef>
+    </dgm:style>
+  </dgm:styleLbl>
+  <dgm:styleLbl name="asst4">
+    <dgm:scene3d>
+      <a:camera prst="orthographicFront"/>
+      <a:lightRig rig="threePt" dir="t"/>
+    </dgm:scene3d>
+    <dgm:sp3d/>
+    <dgm:txPr/>
+    <dgm:style>
+      <a:lnRef idx="2">
+        <a:scrgbClr r="0" g="0" b="0"/>
+      </a:lnRef>
+      <a:fillRef idx="1">
+        <a:scrgbClr r="0" g="0" b="0"/>
+      </a:fillRef>
+      <a:effectRef idx="0">
+        <a:scrgbClr r="0" g="0" b="0"/>
+      </a:effectRef>
+      <a:fontRef idx="minor">
+        <a:schemeClr val="lt1"/>
+      </a:fontRef>
+    </dgm:style>
+  </dgm:styleLbl>
+  <dgm:styleLbl name="parChTrans2D1">
+    <dgm:scene3d>
+      <a:camera prst="orthographicFront"/>
+      <a:lightRig rig="threePt" dir="t"/>
+    </dgm:scene3d>
+    <dgm:sp3d/>
+    <dgm:txPr/>
+    <dgm:style>
+      <a:lnRef idx="2">
+        <a:scrgbClr r="0" g="0" b="0"/>
+      </a:lnRef>
+      <a:fillRef idx="1">
+        <a:scrgbClr r="0" g="0" b="0"/>
+      </a:fillRef>
+      <a:effectRef idx="0">
+        <a:scrgbClr r="0" g="0" b="0"/>
+      </a:effectRef>
+      <a:fontRef idx="minor">
+        <a:schemeClr val="lt1"/>
+      </a:fontRef>
+    </dgm:style>
+  </dgm:styleLbl>
+  <dgm:styleLbl name="parChTrans2D2">
+    <dgm:scene3d>
+      <a:camera prst="orthographicFront"/>
+      <a:lightRig rig="threePt" dir="t"/>
+    </dgm:scene3d>
+    <dgm:sp3d/>
+    <dgm:txPr/>
+    <dgm:style>
+      <a:lnRef idx="2">
+        <a:scrgbClr r="0" g="0" b="0"/>
+      </a:lnRef>
+      <a:fillRef idx="1">
+        <a:scrgbClr r="0" g="0" b="0"/>
+      </a:fillRef>
+      <a:effectRef idx="0">
+        <a:scrgbClr r="0" g="0" b="0"/>
+      </a:effectRef>
+      <a:fontRef idx="minor">
+        <a:schemeClr val="lt1"/>
+      </a:fontRef>
+    </dgm:style>
+  </dgm:styleLbl>
+  <dgm:styleLbl name="parChTrans2D3">
+    <dgm:scene3d>
+      <a:camera prst="orthographicFront"/>
+      <a:lightRig rig="threePt" dir="t"/>
+    </dgm:scene3d>
+    <dgm:sp3d/>
+    <dgm:txPr/>
+    <dgm:style>
+      <a:lnRef idx="2">
+        <a:scrgbClr r="0" g="0" b="0"/>
+      </a:lnRef>
+      <a:fillRef idx="1">
+        <a:scrgbClr r="0" g="0" b="0"/>
+      </a:fillRef>
+      <a:effectRef idx="0">
+        <a:scrgbClr r="0" g="0" b="0"/>
+      </a:effectRef>
+      <a:fontRef idx="minor">
+        <a:schemeClr val="lt1"/>
+      </a:fontRef>
+    </dgm:style>
+  </dgm:styleLbl>
+  <dgm:styleLbl name="parChTrans2D4">
+    <dgm:scene3d>
+      <a:camera prst="orthographicFront"/>
+      <a:lightRig rig="threePt" dir="t"/>
+    </dgm:scene3d>
+    <dgm:sp3d/>
+    <dgm:txPr/>
+    <dgm:style>
+      <a:lnRef idx="2">
+        <a:scrgbClr r="0" g="0" b="0"/>
+      </a:lnRef>
+      <a:fillRef idx="1">
+        <a:scrgbClr r="0" g="0" b="0"/>
+      </a:fillRef>
+      <a:effectRef idx="0">
+        <a:scrgbClr r="0" g="0" b="0"/>
+      </a:effectRef>
+      <a:fontRef idx="minor">
+        <a:schemeClr val="lt1"/>
+      </a:fontRef>
+    </dgm:style>
+  </dgm:styleLbl>
+  <dgm:styleLbl name="parChTrans1D1">
+    <dgm:scene3d>
+      <a:camera prst="orthographicFront"/>
+      <a:lightRig rig="threePt" dir="t"/>
+    </dgm:scene3d>
+    <dgm:sp3d/>
+    <dgm:txPr/>
+    <dgm:style>
+      <a:lnRef idx="2">
+        <a:scrgbClr r="0" g="0" b="0"/>
+      </a:lnRef>
+      <a:fillRef idx="0">
+        <a:scrgbClr r="0" g="0" b="0"/>
+      </a:fillRef>
+      <a:effectRef idx="0">
+        <a:scrgbClr r="0" g="0" b="0"/>
+      </a:effectRef>
+      <a:fontRef idx="minor"/>
+    </dgm:style>
+  </dgm:styleLbl>
+  <dgm:styleLbl name="parChTrans1D2">
+    <dgm:scene3d>
+      <a:camera prst="orthographicFront"/>
+      <a:lightRig rig="threePt" dir="t"/>
+    </dgm:scene3d>
+    <dgm:sp3d/>
+    <dgm:txPr/>
+    <dgm:style>
+      <a:lnRef idx="2">
+        <a:scrgbClr r="0" g="0" b="0"/>
+      </a:lnRef>
+      <a:fillRef idx="0">
+        <a:scrgbClr r="0" g="0" b="0"/>
+      </a:fillRef>
+      <a:effectRef idx="0">
+        <a:scrgbClr r="0" g="0" b="0"/>
+      </a:effectRef>
+      <a:fontRef idx="minor"/>
+    </dgm:style>
+  </dgm:styleLbl>
+  <dgm:styleLbl name="parChTrans1D3">
+    <dgm:scene3d>
+      <a:camera prst="orthographicFront"/>
+      <a:lightRig rig="threePt" dir="t"/>
+    </dgm:scene3d>
+    <dgm:sp3d/>
+    <dgm:txPr/>
+    <dgm:style>
+      <a:lnRef idx="2">
+        <a:scrgbClr r="0" g="0" b="0"/>
+      </a:lnRef>
+      <a:fillRef idx="0">
+        <a:scrgbClr r="0" g="0" b="0"/>
+      </a:fillRef>
+      <a:effectRef idx="0">
+        <a:scrgbClr r="0" g="0" b="0"/>
+      </a:effectRef>
+      <a:fontRef idx="minor"/>
+    </dgm:style>
+  </dgm:styleLbl>
+  <dgm:styleLbl name="parChTrans1D4">
+    <dgm:scene3d>
+      <a:camera prst="orthographicFront"/>
+      <a:lightRig rig="threePt" dir="t"/>
+    </dgm:scene3d>
+    <dgm:sp3d/>
+    <dgm:txPr/>
+    <dgm:style>
+      <a:lnRef idx="2">
+        <a:scrgbClr r="0" g="0" b="0"/>
+      </a:lnRef>
+      <a:fillRef idx="0">
+        <a:scrgbClr r="0" g="0" b="0"/>
+      </a:fillRef>
+      <a:effectRef idx="0">
+        <a:scrgbClr r="0" g="0" b="0"/>
+      </a:effectRef>
+      <a:fontRef idx="minor"/>
+    </dgm:style>
+  </dgm:styleLbl>
+  <dgm:styleLbl name="fgAcc1">
+    <dgm:scene3d>
+      <a:camera prst="orthographicFront"/>
+      <a:lightRig rig="threePt" dir="t"/>
+    </dgm:scene3d>
+    <dgm:sp3d/>
+    <dgm:txPr/>
+    <dgm:style>
+      <a:lnRef idx="2">
+        <a:scrgbClr r="0" g="0" b="0"/>
+      </a:lnRef>
+      <a:fillRef idx="1">
+        <a:scrgbClr r="0" g="0" b="0"/>
+      </a:fillRef>
+      <a:effectRef idx="0">
+        <a:scrgbClr r="0" g="0" b="0"/>
+      </a:effectRef>
+      <a:fontRef idx="minor"/>
+    </dgm:style>
+  </dgm:styleLbl>
+  <dgm:styleLbl name="conFgAcc1">
+    <dgm:scene3d>
+      <a:camera prst="orthographicFront"/>
+      <a:lightRig rig="threePt" dir="t"/>
+    </dgm:scene3d>
+    <dgm:sp3d/>
+    <dgm:txPr/>
+    <dgm:style>
+      <a:lnRef idx="2">
+        <a:scrgbClr r="0" g="0" b="0"/>
+      </a:lnRef>
+      <a:fillRef idx="1">
+        <a:scrgbClr r="0" g="0" b="0"/>
+      </a:fillRef>
+      <a:effectRef idx="0">
+        <a:scrgbClr r="0" g="0" b="0"/>
+      </a:effectRef>
+      <a:fontRef idx="minor"/>
+    </dgm:style>
+  </dgm:styleLbl>
+  <dgm:styleLbl name="alignAcc1">
+    <dgm:scene3d>
+      <a:camera prst="orthographicFront"/>
+      <a:lightRig rig="threePt" dir="t"/>
+    </dgm:scene3d>
+    <dgm:sp3d/>
+    <dgm:txPr/>
+    <dgm:style>
+      <a:lnRef idx="2">
+        <a:scrgbClr r="0" g="0" b="0"/>
+      </a:lnRef>
+      <a:fillRef idx="1">
+        <a:scrgbClr r="0" g="0" b="0"/>
+      </a:fillRef>
+      <a:effectRef idx="0">
+        <a:scrgbClr r="0" g="0" b="0"/>
+      </a:effectRef>
+      <a:fontRef idx="minor"/>
+    </dgm:style>
+  </dgm:styleLbl>
+  <dgm:styleLbl name="trAlignAcc1">
+    <dgm:scene3d>
+      <a:camera prst="orthographicFront"/>
+      <a:lightRig rig="threePt" dir="t"/>
+    </dgm:scene3d>
+    <dgm:sp3d/>
+    <dgm:txPr/>
+    <dgm:style>
+      <a:lnRef idx="1">
+        <a:scrgbClr r="0" g="0" b="0"/>
+      </a:lnRef>
+      <a:fillRef idx="1">
+        <a:scrgbClr r="0" g="0" b="0"/>
+      </a:fillRef>
+      <a:effectRef idx="0">
+        <a:scrgbClr r="0" g="0" b="0"/>
+      </a:effectRef>
+      <a:fontRef idx="minor"/>
+    </dgm:style>
+  </dgm:styleLbl>
+  <dgm:styleLbl name="bgAcc1">
+    <dgm:scene3d>
+      <a:camera prst="orthographicFront"/>
+      <a:lightRig rig="threePt" dir="t"/>
+    </dgm:scene3d>
+    <dgm:sp3d/>
+    <dgm:txPr/>
+    <dgm:style>
+      <a:lnRef idx="2">
+        <a:scrgbClr r="0" g="0" b="0"/>
+      </a:lnRef>
+      <a:fillRef idx="1">
+        <a:scrgbClr r="0" g="0" b="0"/>
+      </a:fillRef>
+      <a:effectRef idx="0">
+        <a:scrgbClr r="0" g="0" b="0"/>
+      </a:effectRef>
+      <a:fontRef idx="minor"/>
+    </dgm:style>
+  </dgm:styleLbl>
+  <dgm:styleLbl name="solidFgAcc1">
+    <dgm:scene3d>
+      <a:camera prst="orthographicFront"/>
+      <a:lightRig rig="threePt" dir="t"/>
+    </dgm:scene3d>
+    <dgm:sp3d/>
+    <dgm:txPr/>
+    <dgm:style>
+      <a:lnRef idx="2">
+        <a:scrgbClr r="0" g="0" b="0"/>
+      </a:lnRef>
+      <a:fillRef idx="1">
+        <a:scrgbClr r="0" g="0" b="0"/>
+      </a:fillRef>
+      <a:effectRef idx="0">
+        <a:scrgbClr r="0" g="0" b="0"/>
+      </a:effectRef>
+      <a:fontRef idx="minor"/>
+    </dgm:style>
+  </dgm:styleLbl>
+  <dgm:styleLbl name="solidAlignAcc1">
+    <dgm:scene3d>
+      <a:camera prst="orthographicFront"/>
+      <a:lightRig rig="threePt" dir="t"/>
+    </dgm:scene3d>
+    <dgm:sp3d/>
+    <dgm:txPr/>
+    <dgm:style>
+      <a:lnRef idx="2">
+        <a:scrgbClr r="0" g="0" b="0"/>
+      </a:lnRef>
+      <a:fillRef idx="1">
+        <a:scrgbClr r="0" g="0" b="0"/>
+      </a:fillRef>
+      <a:effectRef idx="0">
+        <a:scrgbClr r="0" g="0" b="0"/>
+      </a:effectRef>
+      <a:fontRef idx="minor"/>
+    </dgm:style>
+  </dgm:styleLbl>
+  <dgm:styleLbl name="solidBgAcc1">
+    <dgm:scene3d>
+      <a:camera prst="orthographicFront"/>
+      <a:lightRig rig="threePt" dir="t"/>
+    </dgm:scene3d>
+    <dgm:sp3d/>
+    <dgm:txPr/>
+    <dgm:style>
+      <a:lnRef idx="2">
+        <a:scrgbClr r="0" g="0" b="0"/>
+      </a:lnRef>
+      <a:fillRef idx="1">
+        <a:scrgbClr r="0" g="0" b="0"/>
+      </a:fillRef>
+      <a:effectRef idx="0">
+        <a:scrgbClr r="0" g="0" b="0"/>
+      </a:effectRef>
+      <a:fontRef idx="minor"/>
+    </dgm:style>
+  </dgm:styleLbl>
+  <dgm:styleLbl name="fgAccFollowNode1">
+    <dgm:scene3d>
+      <a:camera prst="orthographicFront"/>
+      <a:lightRig rig="threePt" dir="t"/>
+    </dgm:scene3d>
+    <dgm:sp3d/>
+    <dgm:txPr/>
+    <dgm:style>
+      <a:lnRef idx="2">
+        <a:scrgbClr r="0" g="0" b="0"/>
+      </a:lnRef>
+      <a:fillRef idx="1">
+        <a:scrgbClr r="0" g="0" b="0"/>
+      </a:fillRef>
+      <a:effectRef idx="0">
+        <a:scrgbClr r="0" g="0" b="0"/>
+      </a:effectRef>
+      <a:fontRef idx="minor"/>
+    </dgm:style>
+  </dgm:styleLbl>
+  <dgm:styleLbl name="alignAccFollowNode1">
+    <dgm:scene3d>
+      <a:camera prst="orthographicFront"/>
+      <a:lightRig rig="threePt" dir="t"/>
+    </dgm:scene3d>
+    <dgm:sp3d/>
+    <dgm:txPr/>
+    <dgm:style>
+      <a:lnRef idx="2">
+        <a:scrgbClr r="0" g="0" b="0"/>
+      </a:lnRef>
+      <a:fillRef idx="1">
+        <a:scrgbClr r="0" g="0" b="0"/>
+      </a:fillRef>
+      <a:effectRef idx="0">
+        <a:scrgbClr r="0" g="0" b="0"/>
+      </a:effectRef>
+      <a:fontRef idx="minor"/>
+    </dgm:style>
+  </dgm:styleLbl>
+  <dgm:styleLbl name="bgAccFollowNode1">
+    <dgm:scene3d>
+      <a:camera prst="orthographicFront"/>
+      <a:lightRig rig="threePt" dir="t"/>
+    </dgm:scene3d>
+    <dgm:sp3d/>
+    <dgm:txPr/>
+    <dgm:style>
+      <a:lnRef idx="2">
+        <a:scrgbClr r="0" g="0" b="0"/>
+      </a:lnRef>
+      <a:fillRef idx="1">
+        <a:scrgbClr r="0" g="0" b="0"/>
+      </a:fillRef>
+      <a:effectRef idx="0">
+        <a:scrgbClr r="0" g="0" b="0"/>
+      </a:effectRef>
+      <a:fontRef idx="minor"/>
+    </dgm:style>
+  </dgm:styleLbl>
+  <dgm:styleLbl name="fgAcc0">
+    <dgm:scene3d>
+      <a:camera prst="orthographicFront"/>
+      <a:lightRig rig="threePt" dir="t"/>
+    </dgm:scene3d>
+    <dgm:sp3d/>
+    <dgm:txPr/>
+    <dgm:style>
+      <a:lnRef idx="2">
+        <a:scrgbClr r="0" g="0" b="0"/>
+      </a:lnRef>
+      <a:fillRef idx="1">
+        <a:scrgbClr r="0" g="0" b="0"/>
+      </a:fillRef>
+      <a:effectRef idx="0">
+        <a:scrgbClr r="0" g="0" b="0"/>
+      </a:effectRef>
+      <a:fontRef idx="minor"/>
+    </dgm:style>
+  </dgm:styleLbl>
+  <dgm:styleLbl name="fgAcc2">
+    <dgm:scene3d>
+      <a:camera prst="orthographicFront"/>
+      <a:lightRig rig="threePt" dir="t"/>
+    </dgm:scene3d>
+    <dgm:sp3d/>
+    <dgm:txPr/>
+    <dgm:style>
+      <a:lnRef idx="2">
+        <a:scrgbClr r="0" g="0" b="0"/>
+      </a:lnRef>
+      <a:fillRef idx="1">
+        <a:scrgbClr r="0" g="0" b="0"/>
+      </a:fillRef>
+      <a:effectRef idx="0">
+        <a:scrgbClr r="0" g="0" b="0"/>
+      </a:effectRef>
+      <a:fontRef idx="minor"/>
+    </dgm:style>
+  </dgm:styleLbl>
+  <dgm:styleLbl name="fgAcc3">
+    <dgm:scene3d>
+      <a:camera prst="orthographicFront"/>
+      <a:lightRig rig="threePt" dir="t"/>
+    </dgm:scene3d>
+    <dgm:sp3d/>
+    <dgm:txPr/>
+    <dgm:style>
+      <a:lnRef idx="2">
+        <a:scrgbClr r="0" g="0" b="0"/>
+      </a:lnRef>
+      <a:fillRef idx="1">
+        <a:scrgbClr r="0" g="0" b="0"/>
+      </a:fillRef>
+      <a:effectRef idx="0">
+        <a:scrgbClr r="0" g="0" b="0"/>
+      </a:effectRef>
+      <a:fontRef idx="minor"/>
+    </dgm:style>
+  </dgm:styleLbl>
+  <dgm:styleLbl name="fgAcc4">
+    <dgm:scene3d>
+      <a:camera prst="orthographicFront"/>
+      <a:lightRig rig="threePt" dir="t"/>
+    </dgm:scene3d>
+    <dgm:sp3d/>
+    <dgm:txPr/>
+    <dgm:style>
+      <a:lnRef idx="2">
+        <a:scrgbClr r="0" g="0" b="0"/>
+      </a:lnRef>
+      <a:fillRef idx="1">
+        <a:scrgbClr r="0" g="0" b="0"/>
+      </a:fillRef>
+      <a:effectRef idx="0">
+        <a:scrgbClr r="0" g="0" b="0"/>
+      </a:effectRef>
+      <a:fontRef idx="minor"/>
+    </dgm:style>
+  </dgm:styleLbl>
+  <dgm:styleLbl name="bgShp">
+    <dgm:scene3d>
+      <a:camera prst="orthographicFront"/>
+      <a:lightRig rig="threePt" dir="t"/>
+    </dgm:scene3d>
+    <dgm:sp3d/>
+    <dgm:txPr/>
+    <dgm:style>
+      <a:lnRef idx="0">
+        <a:scrgbClr r="0" g="0" b="0"/>
+      </a:lnRef>
+      <a:fillRef idx="1">
+        <a:scrgbClr r="0" g="0" b="0"/>
+      </a:fillRef>
+      <a:effectRef idx="0">
+        <a:scrgbClr r="0" g="0" b="0"/>
+      </a:effectRef>
+      <a:fontRef idx="minor"/>
+    </dgm:style>
+  </dgm:styleLbl>
+  <dgm:styleLbl name="dkBgShp">
+    <dgm:scene3d>
+      <a:camera prst="orthographicFront"/>
+      <a:lightRig rig="threePt" dir="t"/>
+    </dgm:scene3d>
+    <dgm:sp3d/>
+    <dgm:txPr/>
+    <dgm:style>
+      <a:lnRef idx="0">
+        <a:scrgbClr r="0" g="0" b="0"/>
+      </a:lnRef>
+      <a:fillRef idx="1">
+        <a:scrgbClr r="0" g="0" b="0"/>
+      </a:fillRef>
+      <a:effectRef idx="0">
+        <a:scrgbClr r="0" g="0" b="0"/>
+      </a:effectRef>
+      <a:fontRef idx="minor"/>
+    </dgm:style>
+  </dgm:styleLbl>
+  <dgm:styleLbl name="trBgShp">
+    <dgm:scene3d>
+      <a:camera prst="orthographicFront"/>
+      <a:lightRig rig="threePt" dir="t"/>
+    </dgm:scene3d>
+    <dgm:sp3d/>
+    <dgm:txPr/>
+    <dgm:style>
+      <a:lnRef idx="0">
+        <a:scrgbClr r="0" g="0" b="0"/>
+      </a:lnRef>
+      <a:fillRef idx="1">
+        <a:scrgbClr r="0" g="0" b="0"/>
+      </a:fillRef>
+      <a:effectRef idx="0">
+        <a:scrgbClr r="0" g="0" b="0"/>
+      </a:effectRef>
+      <a:fontRef idx="minor"/>
+    </dgm:style>
+  </dgm:styleLbl>
+  <dgm:styleLbl name="fgShp">
+    <dgm:scene3d>
+      <a:camera prst="orthographicFront"/>
+      <a:lightRig rig="threePt" dir="t"/>
+    </dgm:scene3d>
+    <dgm:sp3d/>
+    <dgm:txPr/>
+    <dgm:style>
+      <a:lnRef idx="2">
+        <a:scrgbClr r="0" g="0" b="0"/>
+      </a:lnRef>
+      <a:fillRef idx="1">
+        <a:scrgbClr r="0" g="0" b="0"/>
+      </a:fillRef>
+      <a:effectRef idx="0">
+        <a:scrgbClr r="0" g="0" b="0"/>
+      </a:effectRef>
+      <a:fontRef idx="minor"/>
+    </dgm:style>
+  </dgm:styleLbl>
+  <dgm:styleLbl name="revTx">
+    <dgm:scene3d>
+      <a:camera prst="orthographicFront"/>
+      <a:lightRig rig="threePt" dir="t"/>
+    </dgm:scene3d>
+    <dgm:sp3d/>
+    <dgm:txPr/>
+    <dgm:style>
+      <a:lnRef idx="0">
+        <a:scrgbClr r="0" g="0" b="0"/>
+      </a:lnRef>
+      <a:fillRef idx="0">
+        <a:scrgbClr r="0" g="0" b="0"/>
+      </a:fillRef>
+      <a:effectRef idx="0">
+        <a:scrgbClr r="0" g="0" b="0"/>
+      </a:effectRef>
+      <a:fontRef idx="minor"/>
+    </dgm:style>
+  </dgm:styleLbl>
+</dgm:styleDef>
+</file>
+
+<file path=ppt/diagrams/quickStyle2.xml><?xml version="1.0" encoding="utf-8"?>
 <dgm:styleDef xmlns:dgm="http://schemas.openxmlformats.org/drawingml/2006/diagram" xmlns:a="http://schemas.openxmlformats.org/drawingml/2006/main" uniqueId="urn:microsoft.com/office/officeart/2005/8/quickstyle/simple1">
   <dgm:title val=""/>
   <dgm:desc val=""/>
@@ -3428,7 +6333,7 @@
           <a:p>
             <a:fld id="{4CE2A8D7-1291-4305-B405-A0498DE96B85}" type="datetimeFigureOut">
               <a:rPr lang="en-US" smtClean="0"/>
-              <a:t>1/27/2017</a:t>
+              <a:t>2/13/2017</a:t>
             </a:fld>
             <a:endParaRPr lang="en-US"/>
           </a:p>
@@ -3598,7 +6503,7 @@
           <a:p>
             <a:fld id="{4CE2A8D7-1291-4305-B405-A0498DE96B85}" type="datetimeFigureOut">
               <a:rPr lang="en-US" smtClean="0"/>
-              <a:t>1/27/2017</a:t>
+              <a:t>2/13/2017</a:t>
             </a:fld>
             <a:endParaRPr lang="en-US"/>
           </a:p>
@@ -3778,7 +6683,7 @@
           <a:p>
             <a:fld id="{4CE2A8D7-1291-4305-B405-A0498DE96B85}" type="datetimeFigureOut">
               <a:rPr lang="en-US" smtClean="0"/>
-              <a:t>1/27/2017</a:t>
+              <a:t>2/13/2017</a:t>
             </a:fld>
             <a:endParaRPr lang="en-US"/>
           </a:p>
@@ -3948,7 +6853,7 @@
           <a:p>
             <a:fld id="{4CE2A8D7-1291-4305-B405-A0498DE96B85}" type="datetimeFigureOut">
               <a:rPr lang="en-US" smtClean="0"/>
-              <a:t>1/27/2017</a:t>
+              <a:t>2/13/2017</a:t>
             </a:fld>
             <a:endParaRPr lang="en-US"/>
           </a:p>
@@ -4194,7 +7099,7 @@
           <a:p>
             <a:fld id="{4CE2A8D7-1291-4305-B405-A0498DE96B85}" type="datetimeFigureOut">
               <a:rPr lang="en-US" smtClean="0"/>
-              <a:t>1/27/2017</a:t>
+              <a:t>2/13/2017</a:t>
             </a:fld>
             <a:endParaRPr lang="en-US"/>
           </a:p>
@@ -4426,7 +7331,7 @@
           <a:p>
             <a:fld id="{4CE2A8D7-1291-4305-B405-A0498DE96B85}" type="datetimeFigureOut">
               <a:rPr lang="en-US" smtClean="0"/>
-              <a:t>1/27/2017</a:t>
+              <a:t>2/13/2017</a:t>
             </a:fld>
             <a:endParaRPr lang="en-US"/>
           </a:p>
@@ -4793,7 +7698,7 @@
           <a:p>
             <a:fld id="{4CE2A8D7-1291-4305-B405-A0498DE96B85}" type="datetimeFigureOut">
               <a:rPr lang="en-US" smtClean="0"/>
-              <a:t>1/27/2017</a:t>
+              <a:t>2/13/2017</a:t>
             </a:fld>
             <a:endParaRPr lang="en-US"/>
           </a:p>
@@ -4911,7 +7816,7 @@
           <a:p>
             <a:fld id="{4CE2A8D7-1291-4305-B405-A0498DE96B85}" type="datetimeFigureOut">
               <a:rPr lang="en-US" smtClean="0"/>
-              <a:t>1/27/2017</a:t>
+              <a:t>2/13/2017</a:t>
             </a:fld>
             <a:endParaRPr lang="en-US"/>
           </a:p>
@@ -5006,7 +7911,7 @@
           <a:p>
             <a:fld id="{4CE2A8D7-1291-4305-B405-A0498DE96B85}" type="datetimeFigureOut">
               <a:rPr lang="en-US" smtClean="0"/>
-              <a:t>1/27/2017</a:t>
+              <a:t>2/13/2017</a:t>
             </a:fld>
             <a:endParaRPr lang="en-US"/>
           </a:p>
@@ -5283,7 +8188,7 @@
           <a:p>
             <a:fld id="{4CE2A8D7-1291-4305-B405-A0498DE96B85}" type="datetimeFigureOut">
               <a:rPr lang="en-US" smtClean="0"/>
-              <a:t>1/27/2017</a:t>
+              <a:t>2/13/2017</a:t>
             </a:fld>
             <a:endParaRPr lang="en-US"/>
           </a:p>
@@ -5540,7 +8445,7 @@
           <a:p>
             <a:fld id="{4CE2A8D7-1291-4305-B405-A0498DE96B85}" type="datetimeFigureOut">
               <a:rPr lang="en-US" smtClean="0"/>
-              <a:t>1/27/2017</a:t>
+              <a:t>2/13/2017</a:t>
             </a:fld>
             <a:endParaRPr lang="en-US"/>
           </a:p>
@@ -5753,7 +8658,7 @@
           <a:p>
             <a:fld id="{4CE2A8D7-1291-4305-B405-A0498DE96B85}" type="datetimeFigureOut">
               <a:rPr lang="en-US" smtClean="0"/>
-              <a:t>1/27/2017</a:t>
+              <a:t>2/13/2017</a:t>
             </a:fld>
             <a:endParaRPr lang="en-US"/>
           </a:p>
@@ -6173,6 +9078,11 @@
             <a:off x="1524001" y="706581"/>
             <a:ext cx="9144000" cy="1390217"/>
           </a:xfrm>
+          <a:solidFill>
+            <a:schemeClr val="bg2">
+              <a:lumMod val="90000"/>
+            </a:schemeClr>
+          </a:solidFill>
         </p:spPr>
         <p:txBody>
           <a:bodyPr>
@@ -6718,10 +9628,6 @@
               </a:rPr>
               <a:t>(In different contexts…)</a:t>
             </a:r>
-            <a:endParaRPr lang="en-US" dirty="0" smtClean="0">
-              <a:latin typeface="Segoe UI Semilight" panose="020B0402040204020203" pitchFamily="34" charset="0"/>
-              <a:cs typeface="Segoe UI Semilight" panose="020B0402040204020203" pitchFamily="34" charset="0"/>
-            </a:endParaRPr>
           </a:p>
         </p:txBody>
       </p:sp>
@@ -6821,6 +9727,58 @@
           <a:chExt cx="0" cy="0"/>
         </a:xfrm>
       </p:grpSpPr>
+      <p:graphicFrame>
+        <p:nvGraphicFramePr>
+          <p:cNvPr id="5" name="Diagram 4"/>
+          <p:cNvGraphicFramePr/>
+          <p:nvPr>
+            <p:extLst>
+              <p:ext uri="{D42A27DB-BD31-4B8C-83A1-F6EECF244321}">
+                <p14:modId xmlns:p14="http://schemas.microsoft.com/office/powerpoint/2010/main" val="3605070915"/>
+              </p:ext>
+            </p:extLst>
+          </p:nvPr>
+        </p:nvGraphicFramePr>
+        <p:xfrm>
+          <a:off x="2032000" y="719666"/>
+          <a:ext cx="8128000" cy="5418667"/>
+        </p:xfrm>
+        <a:graphic>
+          <a:graphicData uri="http://schemas.openxmlformats.org/drawingml/2006/diagram">
+            <dgm:relIds xmlns:dgm="http://schemas.openxmlformats.org/drawingml/2006/diagram" xmlns:r="http://schemas.openxmlformats.org/officeDocument/2006/relationships" r:dm="rId2" r:lo="rId3" r:qs="rId4" r:cs="rId5"/>
+          </a:graphicData>
+        </a:graphic>
+      </p:graphicFrame>
+    </p:spTree>
+    <p:extLst>
+      <p:ext uri="{BB962C8B-B14F-4D97-AF65-F5344CB8AC3E}">
+        <p14:creationId xmlns:p14="http://schemas.microsoft.com/office/powerpoint/2010/main" val="888349434"/>
+      </p:ext>
+    </p:extLst>
+  </p:cSld>
+  <p:clrMapOvr>
+    <a:masterClrMapping/>
+  </p:clrMapOvr>
+</p:sld>
+</file>
+
+<file path=ppt/slides/slide4.xml><?xml version="1.0" encoding="utf-8"?>
+<p:sld xmlns:a="http://schemas.openxmlformats.org/drawingml/2006/main" xmlns:r="http://schemas.openxmlformats.org/officeDocument/2006/relationships" xmlns:p="http://schemas.openxmlformats.org/presentationml/2006/main">
+  <p:cSld>
+    <p:spTree>
+      <p:nvGrpSpPr>
+        <p:cNvPr id="1" name=""/>
+        <p:cNvGrpSpPr/>
+        <p:nvPr/>
+      </p:nvGrpSpPr>
+      <p:grpSpPr>
+        <a:xfrm>
+          <a:off x="0" y="0"/>
+          <a:ext cx="0" cy="0"/>
+          <a:chOff x="0" y="0"/>
+          <a:chExt cx="0" cy="0"/>
+        </a:xfrm>
+      </p:grpSpPr>
       <p:sp>
         <p:nvSpPr>
           <p:cNvPr id="2" name="Title 1"/>
@@ -6910,7 +9868,7 @@
                 <a:latin typeface="Segoe UI" panose="020B0502040204020203" pitchFamily="34" charset="0"/>
                 <a:cs typeface="Segoe UI" panose="020B0502040204020203" pitchFamily="34" charset="0"/>
               </a:rPr>
-              <a:t>Implement clean P2P n</a:t>
+              <a:t>Implement clean </a:t>
             </a:r>
             <a:r>
               <a:rPr lang="en-US" sz="4000" dirty="0" smtClean="0">
@@ -6922,7 +9880,19 @@
                 <a:latin typeface="Segoe UI" panose="020B0502040204020203" pitchFamily="34" charset="0"/>
                 <a:cs typeface="Segoe UI" panose="020B0502040204020203" pitchFamily="34" charset="0"/>
               </a:rPr>
-              <a:t>etwork simulation</a:t>
+              <a:t>(P2P) </a:t>
+            </a:r>
+            <a:r>
+              <a:rPr lang="en-US" sz="4000" dirty="0" smtClean="0">
+                <a:uFill>
+                  <a:solidFill>
+                    <a:srgbClr val="C00000"/>
+                  </a:solidFill>
+                </a:uFill>
+                <a:latin typeface="Segoe UI" panose="020B0502040204020203" pitchFamily="34" charset="0"/>
+                <a:cs typeface="Segoe UI" panose="020B0502040204020203" pitchFamily="34" charset="0"/>
+              </a:rPr>
+              <a:t>network simulation</a:t>
             </a:r>
             <a:endParaRPr lang="en-US" sz="4000" dirty="0">
               <a:uFill>
@@ -7026,231 +9996,6 @@
     <p:extLst>
       <p:ext uri="{BB962C8B-B14F-4D97-AF65-F5344CB8AC3E}">
         <p14:creationId xmlns:p14="http://schemas.microsoft.com/office/powerpoint/2010/main" val="104859247"/>
-      </p:ext>
-    </p:extLst>
-  </p:cSld>
-  <p:clrMapOvr>
-    <a:masterClrMapping/>
-  </p:clrMapOvr>
-  <p:timing>
-    <p:tnLst>
-      <p:par>
-        <p:cTn id="1" dur="indefinite" restart="never" nodeType="tmRoot"/>
-      </p:par>
-    </p:tnLst>
-  </p:timing>
-</p:sld>
-</file>
-
-<file path=ppt/slides/slide4.xml><?xml version="1.0" encoding="utf-8"?>
-<p:sld xmlns:a="http://schemas.openxmlformats.org/drawingml/2006/main" xmlns:r="http://schemas.openxmlformats.org/officeDocument/2006/relationships" xmlns:p="http://schemas.openxmlformats.org/presentationml/2006/main">
-  <p:cSld>
-    <p:spTree>
-      <p:nvGrpSpPr>
-        <p:cNvPr id="1" name=""/>
-        <p:cNvGrpSpPr/>
-        <p:nvPr/>
-      </p:nvGrpSpPr>
-      <p:grpSpPr>
-        <a:xfrm>
-          <a:off x="0" y="0"/>
-          <a:ext cx="0" cy="0"/>
-          <a:chOff x="0" y="0"/>
-          <a:chExt cx="0" cy="0"/>
-        </a:xfrm>
-      </p:grpSpPr>
-      <p:sp>
-        <p:nvSpPr>
-          <p:cNvPr id="2" name="Title 1"/>
-          <p:cNvSpPr>
-            <a:spLocks noGrp="1"/>
-          </p:cNvSpPr>
-          <p:nvPr>
-            <p:ph type="title"/>
-          </p:nvPr>
-        </p:nvSpPr>
-        <p:spPr/>
-        <p:txBody>
-          <a:bodyPr/>
-          <a:lstStyle/>
-          <a:p>
-            <a:pPr algn="ctr"/>
-            <a:r>
-              <a:rPr lang="en-US" dirty="0" smtClean="0"/>
-              <a:t>Solutions</a:t>
-            </a:r>
-            <a:endParaRPr lang="en-US" dirty="0"/>
-          </a:p>
-        </p:txBody>
-      </p:sp>
-      <p:sp>
-        <p:nvSpPr>
-          <p:cNvPr id="5" name="Title 1"/>
-          <p:cNvSpPr txBox="1">
-            <a:spLocks noGrp="1"/>
-          </p:cNvSpPr>
-          <p:nvPr>
-            <p:ph sz="half" idx="1"/>
-          </p:nvPr>
-        </p:nvSpPr>
-        <p:spPr>
-          <a:prstGeom prst="rect">
-            <a:avLst/>
-          </a:prstGeom>
-          <a:solidFill>
-            <a:schemeClr val="bg1"/>
-          </a:solidFill>
-          <a:ln w="69850">
-            <a:noFill/>
-            <a:miter lim="800000"/>
-          </a:ln>
-        </p:spPr>
-        <p:txBody>
-          <a:bodyPr vert="horz" lIns="274320" tIns="45720" rIns="91440" bIns="45720" rtlCol="0" anchor="ctr" anchorCtr="0">
-            <a:normAutofit/>
-          </a:bodyPr>
-          <a:lstStyle>
-            <a:lvl1pPr algn="ctr" defTabSz="914400" rtl="0" eaLnBrk="1" latinLnBrk="0" hangingPunct="1">
-              <a:lnSpc>
-                <a:spcPct val="90000"/>
-              </a:lnSpc>
-              <a:spcBef>
-                <a:spcPct val="0"/>
-              </a:spcBef>
-              <a:buNone/>
-              <a:defRPr sz="6000" kern="1200">
-                <a:solidFill>
-                  <a:schemeClr val="tx1"/>
-                </a:solidFill>
-                <a:latin typeface="+mj-lt"/>
-                <a:ea typeface="+mj-ea"/>
-                <a:cs typeface="+mj-cs"/>
-              </a:defRPr>
-            </a:lvl1pPr>
-          </a:lstStyle>
-          <a:p>
-            <a:r>
-              <a:rPr lang="en-US" sz="4000" dirty="0" smtClean="0">
-                <a:uFill>
-                  <a:solidFill>
-                    <a:srgbClr val="C00000"/>
-                  </a:solidFill>
-                </a:uFill>
-                <a:latin typeface="Segoe UI" panose="020B0502040204020203" pitchFamily="34" charset="0"/>
-                <a:cs typeface="Segoe UI" panose="020B0502040204020203" pitchFamily="34" charset="0"/>
-              </a:rPr>
-              <a:t>Spent time on it…</a:t>
-            </a:r>
-            <a:endParaRPr lang="en-US" sz="4000" dirty="0">
-              <a:uFill>
-                <a:solidFill>
-                  <a:srgbClr val="C00000"/>
-                </a:solidFill>
-              </a:uFill>
-              <a:latin typeface="Segoe UI" panose="020B0502040204020203" pitchFamily="34" charset="0"/>
-              <a:cs typeface="Segoe UI" panose="020B0502040204020203" pitchFamily="34" charset="0"/>
-            </a:endParaRPr>
-          </a:p>
-        </p:txBody>
-      </p:sp>
-      <p:sp>
-        <p:nvSpPr>
-          <p:cNvPr id="6" name="Title 1"/>
-          <p:cNvSpPr txBox="1">
-            <a:spLocks noGrp="1"/>
-          </p:cNvSpPr>
-          <p:nvPr>
-            <p:ph sz="half" idx="2"/>
-          </p:nvPr>
-        </p:nvSpPr>
-        <p:spPr>
-          <a:prstGeom prst="rect">
-            <a:avLst/>
-          </a:prstGeom>
-          <a:solidFill>
-            <a:schemeClr val="bg1"/>
-          </a:solidFill>
-          <a:ln w="69850">
-            <a:noFill/>
-            <a:miter lim="800000"/>
-          </a:ln>
-        </p:spPr>
-        <p:txBody>
-          <a:bodyPr vert="horz" lIns="274320" tIns="45720" rIns="91440" bIns="45720" rtlCol="0" anchor="ctr" anchorCtr="0">
-            <a:normAutofit/>
-          </a:bodyPr>
-          <a:lstStyle>
-            <a:lvl1pPr algn="ctr" defTabSz="914400" rtl="0" eaLnBrk="1" latinLnBrk="0" hangingPunct="1">
-              <a:lnSpc>
-                <a:spcPct val="90000"/>
-              </a:lnSpc>
-              <a:spcBef>
-                <a:spcPct val="0"/>
-              </a:spcBef>
-              <a:buNone/>
-              <a:defRPr sz="6000" kern="1200">
-                <a:solidFill>
-                  <a:schemeClr val="tx1"/>
-                </a:solidFill>
-                <a:latin typeface="+mj-lt"/>
-                <a:ea typeface="+mj-ea"/>
-                <a:cs typeface="+mj-cs"/>
-              </a:defRPr>
-            </a:lvl1pPr>
-          </a:lstStyle>
-          <a:p>
-            <a:r>
-              <a:rPr lang="en-US" sz="4000" dirty="0" smtClean="0">
-                <a:uFill>
-                  <a:solidFill>
-                    <a:srgbClr val="C00000"/>
-                  </a:solidFill>
-                </a:uFill>
-                <a:latin typeface="Segoe UI" panose="020B0502040204020203" pitchFamily="34" charset="0"/>
-                <a:cs typeface="Segoe UI" panose="020B0502040204020203" pitchFamily="34" charset="0"/>
-              </a:rPr>
-              <a:t>Read all the docs/forums/help pages of </a:t>
-            </a:r>
-            <a:r>
-              <a:rPr lang="en-US" sz="4000" dirty="0" err="1" smtClean="0">
-                <a:uFill>
-                  <a:solidFill>
-                    <a:srgbClr val="C00000"/>
-                  </a:solidFill>
-                </a:uFill>
-                <a:latin typeface="Segoe UI" panose="020B0502040204020203" pitchFamily="34" charset="0"/>
-                <a:cs typeface="Segoe UI" panose="020B0502040204020203" pitchFamily="34" charset="0"/>
-              </a:rPr>
-              <a:t>ShareJS</a:t>
-            </a:r>
-            <a:r>
-              <a:rPr lang="en-US" sz="4000" dirty="0" smtClean="0">
-                <a:uFill>
-                  <a:solidFill>
-                    <a:srgbClr val="C00000"/>
-                  </a:solidFill>
-                </a:uFill>
-                <a:latin typeface="Segoe UI" panose="020B0502040204020203" pitchFamily="34" charset="0"/>
-                <a:cs typeface="Segoe UI" panose="020B0502040204020203" pitchFamily="34" charset="0"/>
-              </a:rPr>
-              <a:t> for workarounds</a:t>
-            </a:r>
-            <a:endParaRPr lang="en-US" sz="4000" dirty="0">
-              <a:uFill>
-                <a:solidFill>
-                  <a:srgbClr val="C00000"/>
-                </a:solidFill>
-              </a:uFill>
-              <a:latin typeface="Segoe UI" panose="020B0502040204020203" pitchFamily="34" charset="0"/>
-              <a:cs typeface="Segoe UI" panose="020B0502040204020203" pitchFamily="34" charset="0"/>
-            </a:endParaRPr>
-          </a:p>
-        </p:txBody>
-      </p:sp>
-    </p:spTree>
-    <p:extLst>
-      <p:ext uri="{BB962C8B-B14F-4D97-AF65-F5344CB8AC3E}">
-        <p14:creationId xmlns:p14="http://schemas.microsoft.com/office/powerpoint/2010/main" val="2945482763"/>
       </p:ext>
     </p:extLst>
   </p:cSld>
